--- a/2차발표.pptx
+++ b/2차발표.pptx
@@ -270,7 +270,7 @@
           <a:p>
             <a:fld id="{6AE92317-43F9-4945-8731-D21FDC87FDE9}" type="datetimeFigureOut">
               <a:rPr lang="ko-KR" altLang="en-US" smtClean="0"/>
-              <a:t>2017-11-19</a:t>
+              <a:t>2017-11-21</a:t>
             </a:fld>
             <a:endParaRPr lang="ko-KR" altLang="en-US"/>
           </a:p>
@@ -468,7 +468,7 @@
           <a:p>
             <a:fld id="{6AE92317-43F9-4945-8731-D21FDC87FDE9}" type="datetimeFigureOut">
               <a:rPr lang="ko-KR" altLang="en-US" smtClean="0"/>
-              <a:t>2017-11-19</a:t>
+              <a:t>2017-11-21</a:t>
             </a:fld>
             <a:endParaRPr lang="ko-KR" altLang="en-US"/>
           </a:p>
@@ -676,7 +676,7 @@
           <a:p>
             <a:fld id="{6AE92317-43F9-4945-8731-D21FDC87FDE9}" type="datetimeFigureOut">
               <a:rPr lang="ko-KR" altLang="en-US" smtClean="0"/>
-              <a:t>2017-11-19</a:t>
+              <a:t>2017-11-21</a:t>
             </a:fld>
             <a:endParaRPr lang="ko-KR" altLang="en-US"/>
           </a:p>
@@ -874,7 +874,7 @@
           <a:p>
             <a:fld id="{6AE92317-43F9-4945-8731-D21FDC87FDE9}" type="datetimeFigureOut">
               <a:rPr lang="ko-KR" altLang="en-US" smtClean="0"/>
-              <a:t>2017-11-19</a:t>
+              <a:t>2017-11-21</a:t>
             </a:fld>
             <a:endParaRPr lang="ko-KR" altLang="en-US"/>
           </a:p>
@@ -1149,7 +1149,7 @@
           <a:p>
             <a:fld id="{6AE92317-43F9-4945-8731-D21FDC87FDE9}" type="datetimeFigureOut">
               <a:rPr lang="ko-KR" altLang="en-US" smtClean="0"/>
-              <a:t>2017-11-19</a:t>
+              <a:t>2017-11-21</a:t>
             </a:fld>
             <a:endParaRPr lang="ko-KR" altLang="en-US"/>
           </a:p>
@@ -1414,7 +1414,7 @@
           <a:p>
             <a:fld id="{6AE92317-43F9-4945-8731-D21FDC87FDE9}" type="datetimeFigureOut">
               <a:rPr lang="ko-KR" altLang="en-US" smtClean="0"/>
-              <a:t>2017-11-19</a:t>
+              <a:t>2017-11-21</a:t>
             </a:fld>
             <a:endParaRPr lang="ko-KR" altLang="en-US"/>
           </a:p>
@@ -1826,7 +1826,7 @@
           <a:p>
             <a:fld id="{6AE92317-43F9-4945-8731-D21FDC87FDE9}" type="datetimeFigureOut">
               <a:rPr lang="ko-KR" altLang="en-US" smtClean="0"/>
-              <a:t>2017-11-19</a:t>
+              <a:t>2017-11-21</a:t>
             </a:fld>
             <a:endParaRPr lang="ko-KR" altLang="en-US"/>
           </a:p>
@@ -1967,7 +1967,7 @@
           <a:p>
             <a:fld id="{6AE92317-43F9-4945-8731-D21FDC87FDE9}" type="datetimeFigureOut">
               <a:rPr lang="ko-KR" altLang="en-US" smtClean="0"/>
-              <a:t>2017-11-19</a:t>
+              <a:t>2017-11-21</a:t>
             </a:fld>
             <a:endParaRPr lang="ko-KR" altLang="en-US"/>
           </a:p>
@@ -2080,7 +2080,7 @@
           <a:p>
             <a:fld id="{6AE92317-43F9-4945-8731-D21FDC87FDE9}" type="datetimeFigureOut">
               <a:rPr lang="ko-KR" altLang="en-US" smtClean="0"/>
-              <a:t>2017-11-19</a:t>
+              <a:t>2017-11-21</a:t>
             </a:fld>
             <a:endParaRPr lang="ko-KR" altLang="en-US"/>
           </a:p>
@@ -2391,7 +2391,7 @@
           <a:p>
             <a:fld id="{6AE92317-43F9-4945-8731-D21FDC87FDE9}" type="datetimeFigureOut">
               <a:rPr lang="ko-KR" altLang="en-US" smtClean="0"/>
-              <a:t>2017-11-19</a:t>
+              <a:t>2017-11-21</a:t>
             </a:fld>
             <a:endParaRPr lang="ko-KR" altLang="en-US"/>
           </a:p>
@@ -2679,7 +2679,7 @@
           <a:p>
             <a:fld id="{6AE92317-43F9-4945-8731-D21FDC87FDE9}" type="datetimeFigureOut">
               <a:rPr lang="ko-KR" altLang="en-US" smtClean="0"/>
-              <a:t>2017-11-19</a:t>
+              <a:t>2017-11-21</a:t>
             </a:fld>
             <a:endParaRPr lang="ko-KR" altLang="en-US"/>
           </a:p>
@@ -2920,7 +2920,7 @@
           <a:p>
             <a:fld id="{6AE92317-43F9-4945-8731-D21FDC87FDE9}" type="datetimeFigureOut">
               <a:rPr lang="ko-KR" altLang="en-US" smtClean="0"/>
-              <a:t>2017-11-19</a:t>
+              <a:t>2017-11-21</a:t>
             </a:fld>
             <a:endParaRPr lang="ko-KR" altLang="en-US"/>
           </a:p>
@@ -3937,8 +3937,8 @@
         </p:nvSpPr>
         <p:spPr>
           <a:xfrm>
-            <a:off x="5740400" y="2052320"/>
-            <a:ext cx="5760720" cy="3108543"/>
+            <a:off x="5758155" y="1785462"/>
+            <a:ext cx="5760720" cy="4401205"/>
           </a:xfrm>
           <a:prstGeom prst="rect">
             <a:avLst/>
@@ -3958,21 +3958,50 @@
           </a:bodyPr>
           <a:lstStyle/>
           <a:p>
+            <a:pPr marL="457200" indent="-457200">
+              <a:buFont typeface="Arial" panose="020B0604020202020204" pitchFamily="34" charset="0"/>
+              <a:buChar char="•"/>
+            </a:pPr>
+            <a:r>
+              <a:rPr lang="ko-KR" altLang="en-US" sz="2800" b="1" dirty="0">
+                <a:solidFill>
+                  <a:schemeClr val="accent4"/>
+                </a:solidFill>
+              </a:rPr>
+              <a:t>외계인들의 공격에서 살아남아야 한다</a:t>
+            </a:r>
             <a:r>
               <a:rPr lang="en-US" altLang="ko-KR" sz="2800" b="1" dirty="0">
                 <a:solidFill>
                   <a:schemeClr val="accent4"/>
                 </a:solidFill>
               </a:rPr>
-              <a:t>2020</a:t>
-            </a:r>
+              <a:t>!</a:t>
+            </a:r>
+          </a:p>
+          <a:p>
+            <a:pPr marL="457200" indent="-457200">
+              <a:buFont typeface="Arial" panose="020B0604020202020204" pitchFamily="34" charset="0"/>
+              <a:buChar char="•"/>
+            </a:pPr>
+            <a:endParaRPr lang="en-US" altLang="ko-KR" sz="2800" b="1" dirty="0">
+              <a:solidFill>
+                <a:schemeClr val="accent4"/>
+              </a:solidFill>
+            </a:endParaRPr>
+          </a:p>
+          <a:p>
+            <a:pPr marL="457200" indent="-457200">
+              <a:buFont typeface="Arial" panose="020B0604020202020204" pitchFamily="34" charset="0"/>
+              <a:buChar char="•"/>
+            </a:pPr>
             <a:r>
               <a:rPr lang="ko-KR" altLang="en-US" sz="2800" b="1" dirty="0">
                 <a:solidFill>
                   <a:schemeClr val="accent4"/>
                 </a:solidFill>
               </a:rPr>
-              <a:t>년</a:t>
+              <a:t>외계인들을 회피하고 공격하라</a:t>
             </a:r>
             <a:r>
               <a:rPr lang="en-US" altLang="ko-KR" sz="2800" b="1" dirty="0">
@@ -3980,16 +4009,47 @@
                   <a:schemeClr val="accent4"/>
                 </a:solidFill>
               </a:rPr>
-              <a:t>, </a:t>
-            </a:r>
+              <a:t>!</a:t>
+            </a:r>
+          </a:p>
+          <a:p>
+            <a:pPr marL="457200" indent="-457200">
+              <a:buFont typeface="Arial" panose="020B0604020202020204" pitchFamily="34" charset="0"/>
+              <a:buChar char="•"/>
+            </a:pPr>
+            <a:endParaRPr lang="en-US" altLang="ko-KR" sz="2800" b="1" dirty="0">
+              <a:solidFill>
+                <a:schemeClr val="accent4"/>
+              </a:solidFill>
+            </a:endParaRPr>
+          </a:p>
+          <a:p>
+            <a:pPr marL="457200" indent="-457200">
+              <a:buFont typeface="Arial" panose="020B0604020202020204" pitchFamily="34" charset="0"/>
+              <a:buChar char="•"/>
+            </a:pPr>
             <a:r>
               <a:rPr lang="ko-KR" altLang="en-US" sz="2800" b="1" dirty="0">
                 <a:solidFill>
                   <a:schemeClr val="accent4"/>
                 </a:solidFill>
               </a:rPr>
-              <a:t>핵전쟁과 온난화로 인류는 더 이상 지구에 살 수 없게 되고 </a:t>
-            </a:r>
+              <a:t>스킬과 필살기를 적절히 활용하라</a:t>
+            </a:r>
+            <a:r>
+              <a:rPr lang="en-US" altLang="ko-KR" sz="2800" b="1" dirty="0">
+                <a:solidFill>
+                  <a:schemeClr val="accent4"/>
+                </a:solidFill>
+              </a:rPr>
+              <a:t>!</a:t>
+            </a:r>
+          </a:p>
+          <a:p>
+            <a:pPr marL="457200" indent="-457200">
+              <a:buFont typeface="Arial" panose="020B0604020202020204" pitchFamily="34" charset="0"/>
+              <a:buChar char="•"/>
+            </a:pPr>
             <a:endParaRPr lang="en-US" altLang="ko-KR" sz="2800" b="1" dirty="0">
               <a:solidFill>
                 <a:schemeClr val="accent4"/>
@@ -3997,13 +4057,17 @@
             </a:endParaRPr>
           </a:p>
           <a:p>
+            <a:pPr marL="457200" indent="-457200">
+              <a:buFont typeface="Arial" panose="020B0604020202020204" pitchFamily="34" charset="0"/>
+              <a:buChar char="•"/>
+            </a:pPr>
             <a:r>
               <a:rPr lang="ko-KR" altLang="en-US" sz="2800" b="1" dirty="0">
                 <a:solidFill>
                   <a:schemeClr val="accent4"/>
                 </a:solidFill>
               </a:rPr>
-              <a:t>새로운 행성을 찾아 떠나게 된다</a:t>
+              <a:t>오랜 시간 생존해서 높은 스코어를 달성하라</a:t>
             </a:r>
             <a:r>
               <a:rPr lang="en-US" altLang="ko-KR" sz="2800" b="1" dirty="0">
@@ -4011,41 +4075,7 @@
                   <a:schemeClr val="accent4"/>
                 </a:solidFill>
               </a:rPr>
-              <a:t>.</a:t>
-            </a:r>
-          </a:p>
-          <a:p>
-            <a:r>
-              <a:rPr lang="ko-KR" altLang="en-US" sz="2800" b="1" dirty="0">
-                <a:solidFill>
-                  <a:schemeClr val="accent4"/>
-                </a:solidFill>
-              </a:rPr>
-              <a:t>하지만 우주에는 지구인의 이주를 반기지 않는 수많은 종족들이 존재했고</a:t>
-            </a:r>
-            <a:r>
-              <a:rPr lang="en-US" altLang="ko-KR" sz="2800" b="1" dirty="0">
-                <a:solidFill>
-                  <a:schemeClr val="accent4"/>
-                </a:solidFill>
-              </a:rPr>
-              <a:t>, </a:t>
-            </a:r>
-            <a:r>
-              <a:rPr lang="ko-KR" altLang="en-US" sz="2800" b="1" dirty="0">
-                <a:solidFill>
-                  <a:schemeClr val="accent4"/>
-                </a:solidFill>
-              </a:rPr>
-              <a:t>인류가 살기 위해서는 그들의 공격을 헤쳐 나가야 한다</a:t>
-            </a:r>
-            <a:r>
-              <a:rPr lang="en-US" altLang="ko-KR" sz="2800" b="1" dirty="0">
-                <a:solidFill>
-                  <a:schemeClr val="accent4"/>
-                </a:solidFill>
-              </a:rPr>
-              <a:t>..!</a:t>
+              <a:t>! </a:t>
             </a:r>
             <a:endParaRPr lang="ko-KR" altLang="en-US" sz="2800" b="1" dirty="0">
               <a:solidFill>
@@ -4069,8 +4099,8 @@
         </p:nvSpPr>
         <p:spPr>
           <a:xfrm>
-            <a:off x="1204278" y="338912"/>
-            <a:ext cx="9783447" cy="1446550"/>
+            <a:off x="3603971" y="338912"/>
+            <a:ext cx="4984057" cy="1446550"/>
           </a:xfrm>
           <a:prstGeom prst="rect">
             <a:avLst/>
@@ -4131,11 +4161,71 @@
                 <a:latin typeface="HY목각파임B" panose="02030600000101010101" pitchFamily="18" charset="-127"/>
                 <a:ea typeface="HY목각파임B" panose="02030600000101010101" pitchFamily="18" charset="-127"/>
               </a:rPr>
-              <a:t>게임 컨셉과 스토리</a:t>
-            </a:r>
-          </a:p>
-        </p:txBody>
-      </p:sp>
+              <a:t>게임 컨셉</a:t>
+            </a:r>
+          </a:p>
+        </p:txBody>
+      </p:sp>
+      <p:pic>
+        <p:nvPicPr>
+          <p:cNvPr id="2" name="그림 1">
+            <a:extLst>
+              <a:ext uri="{FF2B5EF4-FFF2-40B4-BE49-F238E27FC236}">
+                <a16:creationId xmlns:a16="http://schemas.microsoft.com/office/drawing/2014/main" id="{F6568031-9028-4FB9-90E1-6033CBBB91F2}"/>
+              </a:ext>
+            </a:extLst>
+          </p:cNvPr>
+          <p:cNvPicPr>
+            <a:picLocks noChangeAspect="1"/>
+          </p:cNvPicPr>
+          <p:nvPr/>
+        </p:nvPicPr>
+        <p:blipFill>
+          <a:blip r:embed="rId3"/>
+          <a:stretch>
+            <a:fillRect/>
+          </a:stretch>
+        </p:blipFill>
+        <p:spPr>
+          <a:xfrm>
+            <a:off x="514326" y="1785462"/>
+            <a:ext cx="5069181" cy="3822492"/>
+          </a:xfrm>
+          <a:prstGeom prst="rect">
+            <a:avLst/>
+          </a:prstGeom>
+          <a:solidFill>
+            <a:srgbClr val="FFFFFF">
+              <a:shade val="85000"/>
+            </a:srgbClr>
+          </a:solidFill>
+          <a:ln w="88900" cap="sq">
+            <a:solidFill>
+              <a:srgbClr val="FFFFFF"/>
+            </a:solidFill>
+            <a:miter lim="800000"/>
+          </a:ln>
+          <a:effectLst>
+            <a:outerShdw blurRad="55000" dist="18000" dir="5400000" algn="tl" rotWithShape="0">
+              <a:srgbClr val="000000">
+                <a:alpha val="40000"/>
+              </a:srgbClr>
+            </a:outerShdw>
+          </a:effectLst>
+          <a:scene3d>
+            <a:camera prst="orthographicFront"/>
+            <a:lightRig rig="twoPt" dir="t">
+              <a:rot lat="0" lon="0" rev="7200000"/>
+            </a:lightRig>
+          </a:scene3d>
+          <a:sp3d>
+            <a:bevelT w="25400" h="19050"/>
+            <a:contourClr>
+              <a:srgbClr val="FFFFFF"/>
+            </a:contourClr>
+          </a:sp3d>
+        </p:spPr>
+      </p:pic>
     </p:spTree>
     <p:extLst>
       <p:ext uri="{BB962C8B-B14F-4D97-AF65-F5344CB8AC3E}">
@@ -4277,7 +4367,7 @@
           <p:nvPr>
             <p:extLst>
               <p:ext uri="{D42A27DB-BD31-4B8C-83A1-F6EECF244321}">
-                <p14:modId xmlns:p14="http://schemas.microsoft.com/office/powerpoint/2010/main" val="2038419498"/>
+                <p14:modId xmlns:p14="http://schemas.microsoft.com/office/powerpoint/2010/main" val="1081157607"/>
               </p:ext>
             </p:extLst>
           </p:nvPr>
@@ -4373,7 +4463,62 @@
                     <a:lstStyle/>
                     <a:p>
                       <a:pPr latinLnBrk="1"/>
-                      <a:endParaRPr lang="ko-KR" altLang="en-US" sz="1400" dirty="0"/>
+                      <a:r>
+                        <a:rPr lang="ko-KR" altLang="en-US" sz="1400" dirty="0"/>
+                        <a:t>메인 아군 캐릭터 </a:t>
+                      </a:r>
+                      <a:r>
+                        <a:rPr lang="en-US" altLang="ko-KR" sz="1400" dirty="0"/>
+                        <a:t>soldier </a:t>
+                      </a:r>
+                      <a:r>
+                        <a:rPr lang="ko-KR" altLang="en-US" sz="1400" dirty="0"/>
+                        <a:t>한가지</a:t>
+                      </a:r>
+                      <a:r>
+                        <a:rPr lang="en-US" altLang="ko-KR" sz="1400" dirty="0"/>
+                        <a:t>, </a:t>
+                      </a:r>
+                      <a:r>
+                        <a:rPr lang="ko-KR" altLang="en-US" sz="1400" dirty="0"/>
+                        <a:t>컨트롤은 전방향으로 가능</a:t>
+                      </a:r>
+                      <a:r>
+                        <a:rPr lang="en-US" altLang="ko-KR" sz="1400" dirty="0"/>
+                        <a:t>, </a:t>
+                      </a:r>
+                      <a:r>
+                        <a:rPr lang="ko-KR" altLang="en-US" sz="1400" dirty="0"/>
+                        <a:t>공격 </a:t>
+                      </a:r>
+                      <a:r>
+                        <a:rPr lang="en-US" altLang="ko-KR" sz="1400" dirty="0"/>
+                        <a:t>2</a:t>
+                      </a:r>
+                      <a:r>
+                        <a:rPr lang="ko-KR" altLang="en-US" sz="1400" dirty="0"/>
+                        <a:t>가지</a:t>
+                      </a:r>
+                      <a:r>
+                        <a:rPr lang="en-US" altLang="ko-KR" sz="1400" dirty="0"/>
+                        <a:t>,  </a:t>
+                      </a:r>
+                      <a:r>
+                        <a:rPr lang="ko-KR" altLang="en-US" sz="1400" dirty="0" err="1"/>
+                        <a:t>필살기</a:t>
+                      </a:r>
+                      <a:r>
+                        <a:rPr lang="ko-KR" altLang="en-US" sz="1400" dirty="0"/>
+                        <a:t> </a:t>
+                      </a:r>
+                      <a:r>
+                        <a:rPr lang="en-US" altLang="ko-KR" sz="1400" dirty="0"/>
+                        <a:t>1</a:t>
+                      </a:r>
+                      <a:r>
+                        <a:rPr lang="ko-KR" altLang="en-US" sz="1400" dirty="0"/>
+                        <a:t>가지 보유</a:t>
+                      </a:r>
                     </a:p>
                   </a:txBody>
                   <a:tcPr/>
@@ -4406,7 +4551,58 @@
                     <a:lstStyle/>
                     <a:p>
                       <a:pPr latinLnBrk="1"/>
-                      <a:endParaRPr lang="ko-KR" altLang="en-US" sz="1400" dirty="0"/>
+                      <a:r>
+                        <a:rPr lang="ko-KR" altLang="en-US" sz="1400" dirty="0"/>
+                        <a:t>적군 </a:t>
+                      </a:r>
+                      <a:r>
+                        <a:rPr lang="en-US" altLang="ko-KR" sz="1400" dirty="0"/>
+                        <a:t>monster 4</a:t>
+                      </a:r>
+                      <a:r>
+                        <a:rPr lang="ko-KR" altLang="en-US" sz="1400" dirty="0"/>
+                        <a:t>가지 </a:t>
+                      </a:r>
+                      <a:r>
+                        <a:rPr lang="en-US" altLang="ko-KR" sz="1400" dirty="0"/>
+                        <a:t>+ </a:t>
+                      </a:r>
+                      <a:r>
+                        <a:rPr lang="ko-KR" altLang="en-US" sz="1400" dirty="0"/>
+                        <a:t>가능하다면 </a:t>
+                      </a:r>
+                      <a:r>
+                        <a:rPr lang="en-US" altLang="ko-KR" sz="1400" dirty="0"/>
+                        <a:t>8</a:t>
+                      </a:r>
+                      <a:r>
+                        <a:rPr lang="ko-KR" altLang="en-US" sz="1400" dirty="0"/>
+                        <a:t>가지까지 구현</a:t>
+                      </a:r>
+                      <a:r>
+                        <a:rPr lang="en-US" altLang="ko-KR" sz="1400" dirty="0"/>
+                        <a:t>, </a:t>
+                      </a:r>
+                      <a:r>
+                        <a:rPr lang="ko-KR" altLang="en-US" sz="1400" dirty="0"/>
+                        <a:t>보스 몬스터 </a:t>
+                      </a:r>
+                      <a:r>
+                        <a:rPr lang="en-US" altLang="ko-KR" sz="1400" dirty="0"/>
+                        <a:t>2</a:t>
+                      </a:r>
+                      <a:r>
+                        <a:rPr lang="ko-KR" altLang="en-US" sz="1400" dirty="0"/>
+                        <a:t>종류</a:t>
+                      </a:r>
+                      <a:r>
+                        <a:rPr lang="en-US" altLang="ko-KR" sz="1400" dirty="0"/>
+                        <a:t> </a:t>
+                      </a:r>
+                      <a:r>
+                        <a:rPr lang="ko-KR" altLang="en-US" sz="1400" dirty="0"/>
+                        <a:t>구현 </a:t>
+                      </a:r>
                     </a:p>
                   </a:txBody>
                   <a:tcPr/>
@@ -4438,7 +4634,38 @@
                     <a:lstStyle/>
                     <a:p>
                       <a:pPr latinLnBrk="1"/>
-                      <a:endParaRPr lang="ko-KR" altLang="en-US" sz="1400" dirty="0"/>
+                      <a:r>
+                        <a:rPr lang="ko-KR" altLang="en-US" sz="1400" dirty="0"/>
+                        <a:t>시간에 따라 적군 </a:t>
+                      </a:r>
+                      <a:r>
+                        <a:rPr lang="en-US" altLang="ko-KR" sz="1400" dirty="0"/>
+                        <a:t>monster </a:t>
+                      </a:r>
+                      <a:r>
+                        <a:rPr lang="ko-KR" altLang="en-US" sz="1400" dirty="0"/>
+                        <a:t>등장 빈도의 증가</a:t>
+                      </a:r>
+                      <a:r>
+                        <a:rPr lang="en-US" altLang="ko-KR" sz="1400" dirty="0"/>
+                        <a:t>, </a:t>
+                      </a:r>
+                      <a:r>
+                        <a:rPr lang="ko-KR" altLang="en-US" sz="1400" dirty="0"/>
+                        <a:t>강력한 </a:t>
+                      </a:r>
+                      <a:r>
+                        <a:rPr lang="en-US" altLang="ko-KR" sz="1400" dirty="0"/>
+                        <a:t>boss monster,  </a:t>
+                      </a:r>
+                      <a:r>
+                        <a:rPr lang="ko-KR" altLang="en-US" sz="1400" dirty="0" err="1"/>
+                        <a:t>필살기</a:t>
+                      </a:r>
+                      <a:r>
+                        <a:rPr lang="ko-KR" altLang="en-US" sz="1400" dirty="0"/>
+                        <a:t> 횟수와 스킬 사용 횟수에 제한을 두어 난이도 조정 </a:t>
+                      </a:r>
                     </a:p>
                   </a:txBody>
                   <a:tcPr/>
@@ -4470,7 +4697,50 @@
                     <a:lstStyle/>
                     <a:p>
                       <a:pPr latinLnBrk="1"/>
-                      <a:endParaRPr lang="ko-KR" altLang="en-US" sz="1400" dirty="0"/>
+                      <a:r>
+                        <a:rPr lang="ko-KR" altLang="en-US" sz="1400" dirty="0"/>
+                        <a:t>적군을 처치할 수록 </a:t>
+                      </a:r>
+                      <a:r>
+                        <a:rPr lang="en-US" altLang="ko-KR" sz="1400" dirty="0"/>
+                        <a:t>score</a:t>
+                      </a:r>
+                      <a:r>
+                        <a:rPr lang="ko-KR" altLang="en-US" sz="1400" dirty="0"/>
+                        <a:t>상승하며 </a:t>
+                      </a:r>
+                      <a:r>
+                        <a:rPr lang="en-US" altLang="ko-KR" sz="1400" dirty="0"/>
+                        <a:t>score</a:t>
+                      </a:r>
+                      <a:r>
+                        <a:rPr lang="ko-KR" altLang="en-US" sz="1400" dirty="0"/>
+                        <a:t>에 따라 </a:t>
+                      </a:r>
+                      <a:r>
+                        <a:rPr lang="en-US" altLang="ko-KR" sz="1400" dirty="0"/>
+                        <a:t>attack </a:t>
+                      </a:r>
+                      <a:r>
+                        <a:rPr lang="ko-KR" altLang="en-US" sz="1400" dirty="0"/>
+                        <a:t>업그레이드</a:t>
+                      </a:r>
+                      <a:r>
+                        <a:rPr lang="en-US" altLang="ko-KR" sz="1400" dirty="0"/>
+                        <a:t>,  </a:t>
+                      </a:r>
+                      <a:r>
+                        <a:rPr lang="ko-KR" altLang="en-US" sz="1400" dirty="0"/>
+                        <a:t>시간에 따라서 필살기와 스킬 횟수 늘려주는 아이템 출현</a:t>
+                      </a:r>
+                      <a:r>
+                        <a:rPr lang="en-US" altLang="ko-KR" sz="1400" dirty="0"/>
+                        <a:t>, </a:t>
+                      </a:r>
+                      <a:r>
+                        <a:rPr lang="ko-KR" altLang="en-US" sz="1400" dirty="0"/>
+                        <a:t>보스 몬스터 처치 시 보상</a:t>
+                      </a:r>
                     </a:p>
                   </a:txBody>
                   <a:tcPr/>
@@ -4502,7 +4772,14 @@
                     <a:lstStyle/>
                     <a:p>
                       <a:pPr latinLnBrk="1"/>
-                      <a:endParaRPr lang="ko-KR" altLang="en-US" sz="1400" dirty="0"/>
+                      <a:r>
+                        <a:rPr lang="en-US" altLang="ko-KR" sz="1400" dirty="0"/>
+                        <a:t>Space</a:t>
+                      </a:r>
+                      <a:r>
+                        <a:rPr lang="ko-KR" altLang="en-US" sz="1400" dirty="0"/>
+                        <a:t>맵 하나로 고정 </a:t>
+                      </a:r>
                     </a:p>
                   </a:txBody>
                   <a:tcPr/>
@@ -4534,7 +4811,90 @@
                     <a:lstStyle/>
                     <a:p>
                       <a:pPr latinLnBrk="1"/>
-                      <a:endParaRPr lang="ko-KR" altLang="en-US" sz="1400" dirty="0"/>
+                      <a:r>
+                        <a:rPr lang="en-US" altLang="ko-KR" sz="1400" dirty="0"/>
+                        <a:t>Soldier</a:t>
+                      </a:r>
+                      <a:r>
+                        <a:rPr lang="ko-KR" altLang="en-US" sz="1400" dirty="0"/>
+                        <a:t>의 공격</a:t>
+                      </a:r>
+                      <a:r>
+                        <a:rPr lang="en-US" altLang="ko-KR" sz="1400" dirty="0"/>
+                        <a:t>, </a:t>
+                      </a:r>
+                      <a:r>
+                        <a:rPr lang="ko-KR" altLang="en-US" sz="1400" dirty="0"/>
+                        <a:t>피격</a:t>
+                      </a:r>
+                      <a:r>
+                        <a:rPr lang="en-US" altLang="ko-KR" sz="1400" dirty="0"/>
+                        <a:t>, </a:t>
+                      </a:r>
+                      <a:r>
+                        <a:rPr lang="ko-KR" altLang="en-US" sz="1400" dirty="0"/>
+                        <a:t>스킬</a:t>
+                      </a:r>
+                      <a:r>
+                        <a:rPr lang="en-US" altLang="ko-KR" sz="1400" dirty="0"/>
+                        <a:t>, </a:t>
+                      </a:r>
+                      <a:r>
+                        <a:rPr lang="ko-KR" altLang="en-US" sz="1400" dirty="0" err="1"/>
+                        <a:t>필살기</a:t>
+                      </a:r>
+                      <a:r>
+                        <a:rPr lang="ko-KR" altLang="en-US" sz="1400" dirty="0"/>
+                        <a:t> 사용시의 사운드</a:t>
+                      </a:r>
+                      <a:r>
+                        <a:rPr lang="en-US" altLang="ko-KR" sz="1400" dirty="0"/>
+                        <a:t>, </a:t>
+                      </a:r>
+                      <a:r>
+                        <a:rPr lang="ko-KR" altLang="en-US" sz="1400" dirty="0"/>
+                        <a:t>배경 사운드</a:t>
+                      </a:r>
+                      <a:r>
+                        <a:rPr lang="en-US" altLang="ko-KR" sz="1400" dirty="0"/>
+                        <a:t>, monster</a:t>
+                      </a:r>
+                      <a:r>
+                        <a:rPr lang="ko-KR" altLang="en-US" sz="1400" dirty="0"/>
+                        <a:t>들의 피격 시 사운드</a:t>
+                      </a:r>
+                      <a:r>
+                        <a:rPr lang="en-US" altLang="ko-KR" sz="1400" dirty="0"/>
+                        <a:t>, </a:t>
+                      </a:r>
+                      <a:r>
+                        <a:rPr lang="ko-KR" altLang="en-US" sz="1400" dirty="0"/>
+                        <a:t>사망 사운드</a:t>
+                      </a:r>
+                      <a:r>
+                        <a:rPr lang="en-US" altLang="ko-KR" sz="1400" dirty="0"/>
+                        <a:t>, boss monster</a:t>
+                      </a:r>
+                      <a:r>
+                        <a:rPr lang="ko-KR" altLang="en-US" sz="1400" dirty="0"/>
+                        <a:t>의 피격</a:t>
+                      </a:r>
+                      <a:r>
+                        <a:rPr lang="en-US" altLang="ko-KR" sz="1400" dirty="0"/>
+                        <a:t>, </a:t>
+                      </a:r>
+                      <a:r>
+                        <a:rPr lang="ko-KR" altLang="en-US" sz="1400" dirty="0"/>
+                        <a:t>공격</a:t>
+                      </a:r>
+                      <a:r>
+                        <a:rPr lang="en-US" altLang="ko-KR" sz="1400" dirty="0"/>
+                        <a:t>, </a:t>
+                      </a:r>
+                      <a:r>
+                        <a:rPr lang="ko-KR" altLang="en-US" sz="1400" dirty="0"/>
+                        <a:t>사망 시의 사운드 구현 </a:t>
+                      </a:r>
                     </a:p>
                   </a:txBody>
                   <a:tcPr/>
@@ -4727,14 +5087,14 @@
           <p:nvPr>
             <p:extLst>
               <p:ext uri="{D42A27DB-BD31-4B8C-83A1-F6EECF244321}">
-                <p14:modId xmlns:p14="http://schemas.microsoft.com/office/powerpoint/2010/main" val="673277950"/>
+                <p14:modId xmlns:p14="http://schemas.microsoft.com/office/powerpoint/2010/main" val="889365171"/>
               </p:ext>
             </p:extLst>
           </p:nvPr>
         </p:nvGraphicFramePr>
         <p:xfrm>
           <a:off x="1066800" y="1633929"/>
-          <a:ext cx="10058400" cy="4482057"/>
+          <a:ext cx="10058400" cy="4637281"/>
         </p:xfrm>
         <a:graphic>
           <a:graphicData uri="http://schemas.openxmlformats.org/drawingml/2006/table">
@@ -4933,6 +5293,42 @@
                     <a:lstStyle/>
                     <a:p>
                       <a:pPr latinLnBrk="1"/>
+                      <a:r>
+                        <a:rPr lang="ko-KR" altLang="en-US" sz="1400" b="0" dirty="0"/>
+                        <a:t>아군캐릭터 </a:t>
+                      </a:r>
+                      <a:r>
+                        <a:rPr lang="en-US" altLang="ko-KR" sz="1400" b="0" dirty="0"/>
+                        <a:t>soldier, </a:t>
+                      </a:r>
+                      <a:r>
+                        <a:rPr lang="ko-KR" altLang="en-US" sz="1400" b="0" dirty="0"/>
+                        <a:t>적군 </a:t>
+                      </a:r>
+                      <a:r>
+                        <a:rPr lang="en-US" altLang="ko-KR" sz="1400" b="0" dirty="0"/>
+                        <a:t>monster, </a:t>
+                      </a:r>
+                      <a:r>
+                        <a:rPr lang="ko-KR" altLang="en-US" sz="1400" b="0" dirty="0"/>
+                        <a:t>보스</a:t>
+                      </a:r>
+                      <a:r>
+                        <a:rPr lang="en-US" altLang="ko-KR" sz="1400" b="0" dirty="0"/>
+                        <a:t>, space </a:t>
+                      </a:r>
+                      <a:r>
+                        <a:rPr lang="ko-KR" altLang="en-US" sz="1400" b="0" dirty="0"/>
+                        <a:t>배경화면</a:t>
+                      </a:r>
+                      <a:r>
+                        <a:rPr lang="en-US" altLang="ko-KR" sz="1400" b="0" dirty="0"/>
+                        <a:t>, special attack, attack, attack effect </a:t>
+                      </a:r>
+                      <a:r>
+                        <a:rPr lang="ko-KR" altLang="en-US" sz="1400" b="0" dirty="0"/>
+                        <a:t>등의 리소스 수집 및 편집완료</a:t>
+                      </a:r>
                       <a:endParaRPr lang="en-US" altLang="ko-KR" sz="1400" b="0" dirty="0"/>
                     </a:p>
                   </a:txBody>
@@ -5014,7 +5410,34 @@
                     <a:lstStyle/>
                     <a:p>
                       <a:pPr latinLnBrk="1"/>
-                      <a:endParaRPr lang="ko-KR" altLang="en-US" sz="1400" dirty="0"/>
+                      <a:r>
+                        <a:rPr lang="ko-KR" altLang="en-US" sz="1400" dirty="0"/>
+                        <a:t>아군 캐릭터 </a:t>
+                      </a:r>
+                      <a:r>
+                        <a:rPr lang="en-US" altLang="ko-KR" sz="1400" dirty="0"/>
+                        <a:t>soldier</a:t>
+                      </a:r>
+                      <a:r>
+                        <a:rPr lang="ko-KR" altLang="en-US" sz="1400" dirty="0"/>
+                        <a:t>의 움직임과 공격</a:t>
+                      </a:r>
+                      <a:r>
+                        <a:rPr lang="en-US" altLang="ko-KR" sz="1400" dirty="0"/>
+                        <a:t>, </a:t>
+                      </a:r>
+                      <a:r>
+                        <a:rPr lang="ko-KR" altLang="en-US" sz="1400" dirty="0"/>
+                        <a:t>피격</a:t>
+                      </a:r>
+                      <a:r>
+                        <a:rPr lang="en-US" altLang="ko-KR" sz="1400" dirty="0"/>
+                        <a:t>, </a:t>
+                      </a:r>
+                      <a:r>
+                        <a:rPr lang="ko-KR" altLang="en-US" sz="1400" dirty="0"/>
+                        <a:t>스킬 사용시의 모션까지 구현 완료 </a:t>
+                      </a:r>
                     </a:p>
                   </a:txBody>
                   <a:tcPr/>
@@ -5095,7 +5518,38 @@
                     <a:lstStyle/>
                     <a:p>
                       <a:pPr latinLnBrk="1"/>
-                      <a:endParaRPr lang="ko-KR" altLang="en-US" sz="1400" dirty="0"/>
+                      <a:r>
+                        <a:rPr lang="en-US" altLang="ko-KR" sz="1400" dirty="0"/>
+                        <a:t>Power, plant, swage, eye </a:t>
+                      </a:r>
+                      <a:r>
+                        <a:rPr lang="ko-KR" altLang="en-US" sz="1400" dirty="0"/>
+                        <a:t>등 </a:t>
+                      </a:r>
+                      <a:r>
+                        <a:rPr lang="en-US" altLang="ko-KR" sz="1400" dirty="0"/>
+                        <a:t>4</a:t>
+                      </a:r>
+                      <a:r>
+                        <a:rPr lang="ko-KR" altLang="en-US" sz="1400" dirty="0"/>
+                        <a:t>가지의 </a:t>
+                      </a:r>
+                      <a:r>
+                        <a:rPr lang="en-US" altLang="ko-KR" sz="1400" dirty="0"/>
+                        <a:t>monster</a:t>
+                      </a:r>
+                      <a:r>
+                        <a:rPr lang="ko-KR" altLang="en-US" sz="1400" dirty="0"/>
+                        <a:t>의 각각의 능력치와 속도</a:t>
+                      </a:r>
+                      <a:r>
+                        <a:rPr lang="en-US" altLang="ko-KR" sz="1400" dirty="0"/>
+                        <a:t>, </a:t>
+                      </a:r>
+                      <a:r>
+                        <a:rPr lang="ko-KR" altLang="en-US" sz="1400" dirty="0"/>
+                        <a:t>처치 시 획득 점수 등을 설정하여 구현 완료 </a:t>
+                      </a:r>
                     </a:p>
                   </a:txBody>
                   <a:tcPr/>
@@ -5180,7 +5634,34 @@
                     <a:lstStyle/>
                     <a:p>
                       <a:pPr latinLnBrk="1"/>
-                      <a:endParaRPr lang="ko-KR" altLang="en-US" sz="1400" dirty="0"/>
+                      <a:r>
+                        <a:rPr lang="ko-KR" altLang="en-US" sz="1400" dirty="0"/>
+                        <a:t>아군 캐릭터 </a:t>
+                      </a:r>
+                      <a:r>
+                        <a:rPr lang="en-US" altLang="ko-KR" sz="1400" dirty="0"/>
+                        <a:t>soldier </a:t>
+                      </a:r>
+                      <a:r>
+                        <a:rPr lang="ko-KR" altLang="en-US" sz="1400" dirty="0"/>
+                        <a:t>의 수류탄 스킬 구현 완료</a:t>
+                      </a:r>
+                      <a:r>
+                        <a:rPr lang="en-US" altLang="ko-KR" sz="1400" dirty="0"/>
+                        <a:t>, </a:t>
+                      </a:r>
+                      <a:r>
+                        <a:rPr lang="ko-KR" altLang="en-US" sz="1400" dirty="0"/>
+                        <a:t>적군은 스킬은 안 쓰는 것으로 변경 </a:t>
+                      </a:r>
+                      <a:r>
+                        <a:rPr lang="en-US" altLang="ko-KR" sz="1400" dirty="0"/>
+                        <a:t>, </a:t>
+                      </a:r>
+                      <a:r>
+                        <a:rPr lang="ko-KR" altLang="en-US" sz="1400" dirty="0"/>
+                        <a:t>보스만 스킬을 사용하도록 할 예정 </a:t>
+                      </a:r>
                     </a:p>
                   </a:txBody>
                   <a:tcPr/>
@@ -5250,7 +5731,55 @@
                       <a:pPr latinLnBrk="1"/>
                       <a:r>
                         <a:rPr lang="ko-KR" altLang="en-US" sz="1400" dirty="0"/>
-                        <a:t>진행중</a:t>
+                        <a:t>아군 캐릭터 </a:t>
+                      </a:r>
+                      <a:r>
+                        <a:rPr lang="en-US" altLang="ko-KR" sz="1400" dirty="0"/>
+                        <a:t>soldier</a:t>
+                      </a:r>
+                      <a:r>
+                        <a:rPr lang="ko-KR" altLang="en-US" sz="1400" dirty="0"/>
+                        <a:t>의 </a:t>
+                      </a:r>
+                      <a:r>
+                        <a:rPr lang="ko-KR" altLang="en-US" sz="1400" dirty="0" err="1"/>
+                        <a:t>필살기</a:t>
+                      </a:r>
+                      <a:r>
+                        <a:rPr lang="ko-KR" altLang="en-US" sz="1400" dirty="0"/>
+                        <a:t> 구현완료</a:t>
+                      </a:r>
+                      <a:r>
+                        <a:rPr lang="en-US" altLang="ko-KR" sz="1400" dirty="0"/>
+                        <a:t>, </a:t>
+                      </a:r>
+                      <a:r>
+                        <a:rPr lang="ko-KR" altLang="en-US" sz="1400" dirty="0"/>
+                        <a:t>밸런스 조정을 위한 </a:t>
+                      </a:r>
+                      <a:r>
+                        <a:rPr lang="en-US" altLang="ko-KR" sz="1400" dirty="0" err="1"/>
+                        <a:t>ui</a:t>
+                      </a:r>
+                      <a:r>
+                        <a:rPr lang="ko-KR" altLang="en-US" sz="1400" dirty="0"/>
+                        <a:t>와 </a:t>
+                      </a:r>
+                      <a:r>
+                        <a:rPr lang="en-US" altLang="ko-KR" sz="1400" dirty="0"/>
+                        <a:t>score </a:t>
+                      </a:r>
+                      <a:r>
+                        <a:rPr lang="ko-KR" altLang="en-US" sz="1400" dirty="0"/>
+                        <a:t>구현</a:t>
+                      </a:r>
+                      <a:r>
+                        <a:rPr lang="en-US" altLang="ko-KR" sz="1400" dirty="0"/>
+                        <a:t>, </a:t>
+                      </a:r>
+                      <a:r>
+                        <a:rPr lang="ko-KR" altLang="en-US" sz="1400" dirty="0"/>
+                        <a:t>보스 구현 진행중 </a:t>
                       </a:r>
                       <a:endParaRPr lang="en-US" altLang="ko-KR" sz="1400" dirty="0"/>
                     </a:p>

--- a/2차발표.pptx
+++ b/2차발표.pptx
@@ -4,6 +4,9 @@
   <p:sldMasterIdLst>
     <p:sldMasterId id="2147483648" r:id="rId1"/>
   </p:sldMasterIdLst>
+  <p:notesMasterIdLst>
+    <p:notesMasterId r:id="rId10"/>
+  </p:notesMasterIdLst>
   <p:sldIdLst>
     <p:sldId id="256" r:id="rId2"/>
     <p:sldId id="257" r:id="rId3"/>
@@ -121,6 +124,502 @@
 
 <file path=ppt/revisionInfo.xml><?xml version="1.0" encoding="utf-8"?>
 <p1510:revInfo xmlns:a="http://schemas.openxmlformats.org/drawingml/2006/main" xmlns:r="http://schemas.openxmlformats.org/officeDocument/2006/relationships" xmlns:p1510="http://schemas.microsoft.com/office/powerpoint/2015/10/main"/>
+</file>
+
+<file path=ppt/notesMasters/notesMaster1.xml><?xml version="1.0" encoding="utf-8"?>
+<p:notesMaster xmlns:a="http://schemas.openxmlformats.org/drawingml/2006/main" xmlns:r="http://schemas.openxmlformats.org/officeDocument/2006/relationships" xmlns:p="http://schemas.openxmlformats.org/presentationml/2006/main">
+  <p:cSld>
+    <p:bg>
+      <p:bgRef idx="1001">
+        <a:schemeClr val="bg1"/>
+      </p:bgRef>
+    </p:bg>
+    <p:spTree>
+      <p:nvGrpSpPr>
+        <p:cNvPr id="1" name=""/>
+        <p:cNvGrpSpPr/>
+        <p:nvPr/>
+      </p:nvGrpSpPr>
+      <p:grpSpPr>
+        <a:xfrm>
+          <a:off x="0" y="0"/>
+          <a:ext cx="0" cy="0"/>
+          <a:chOff x="0" y="0"/>
+          <a:chExt cx="0" cy="0"/>
+        </a:xfrm>
+      </p:grpSpPr>
+      <p:sp>
+        <p:nvSpPr>
+          <p:cNvPr id="2" name="머리글 개체 틀 1"/>
+          <p:cNvSpPr>
+            <a:spLocks noGrp="1"/>
+          </p:cNvSpPr>
+          <p:nvPr>
+            <p:ph type="hdr" sz="quarter"/>
+          </p:nvPr>
+        </p:nvSpPr>
+        <p:spPr>
+          <a:xfrm>
+            <a:off x="0" y="0"/>
+            <a:ext cx="2971800" cy="458788"/>
+          </a:xfrm>
+          <a:prstGeom prst="rect">
+            <a:avLst/>
+          </a:prstGeom>
+        </p:spPr>
+        <p:txBody>
+          <a:bodyPr vert="horz" lIns="91440" tIns="45720" rIns="91440" bIns="45720" rtlCol="0"/>
+          <a:lstStyle>
+            <a:lvl1pPr algn="l">
+              <a:defRPr sz="1200"/>
+            </a:lvl1pPr>
+          </a:lstStyle>
+          <a:p>
+            <a:endParaRPr lang="ko-KR" altLang="en-US"/>
+          </a:p>
+        </p:txBody>
+      </p:sp>
+      <p:sp>
+        <p:nvSpPr>
+          <p:cNvPr id="3" name="날짜 개체 틀 2"/>
+          <p:cNvSpPr>
+            <a:spLocks noGrp="1"/>
+          </p:cNvSpPr>
+          <p:nvPr>
+            <p:ph type="dt" idx="1"/>
+          </p:nvPr>
+        </p:nvSpPr>
+        <p:spPr>
+          <a:xfrm>
+            <a:off x="3884613" y="0"/>
+            <a:ext cx="2971800" cy="458788"/>
+          </a:xfrm>
+          <a:prstGeom prst="rect">
+            <a:avLst/>
+          </a:prstGeom>
+        </p:spPr>
+        <p:txBody>
+          <a:bodyPr vert="horz" lIns="91440" tIns="45720" rIns="91440" bIns="45720" rtlCol="0"/>
+          <a:lstStyle>
+            <a:lvl1pPr algn="r">
+              <a:defRPr sz="1200"/>
+            </a:lvl1pPr>
+          </a:lstStyle>
+          <a:p>
+            <a:fld id="{E90860AF-E482-49BE-B011-D93D6DA67833}" type="datetimeFigureOut">
+              <a:rPr lang="ko-KR" altLang="en-US" smtClean="0"/>
+              <a:t>2017-11-21</a:t>
+            </a:fld>
+            <a:endParaRPr lang="ko-KR" altLang="en-US"/>
+          </a:p>
+        </p:txBody>
+      </p:sp>
+      <p:sp>
+        <p:nvSpPr>
+          <p:cNvPr id="4" name="슬라이드 이미지 개체 틀 3"/>
+          <p:cNvSpPr>
+            <a:spLocks noGrp="1" noRot="1" noChangeAspect="1"/>
+          </p:cNvSpPr>
+          <p:nvPr>
+            <p:ph type="sldImg" idx="2"/>
+          </p:nvPr>
+        </p:nvSpPr>
+        <p:spPr>
+          <a:xfrm>
+            <a:off x="685800" y="1143000"/>
+            <a:ext cx="5486400" cy="3086100"/>
+          </a:xfrm>
+          <a:prstGeom prst="rect">
+            <a:avLst/>
+          </a:prstGeom>
+          <a:noFill/>
+          <a:ln w="12700">
+            <a:solidFill>
+              <a:prstClr val="black"/>
+            </a:solidFill>
+          </a:ln>
+        </p:spPr>
+        <p:txBody>
+          <a:bodyPr vert="horz" lIns="91440" tIns="45720" rIns="91440" bIns="45720" rtlCol="0" anchor="ctr"/>
+          <a:lstStyle/>
+          <a:p>
+            <a:endParaRPr lang="ko-KR" altLang="en-US"/>
+          </a:p>
+        </p:txBody>
+      </p:sp>
+      <p:sp>
+        <p:nvSpPr>
+          <p:cNvPr id="5" name="슬라이드 노트 개체 틀 4"/>
+          <p:cNvSpPr>
+            <a:spLocks noGrp="1"/>
+          </p:cNvSpPr>
+          <p:nvPr>
+            <p:ph type="body" sz="quarter" idx="3"/>
+          </p:nvPr>
+        </p:nvSpPr>
+        <p:spPr>
+          <a:xfrm>
+            <a:off x="685800" y="4400550"/>
+            <a:ext cx="5486400" cy="3600450"/>
+          </a:xfrm>
+          <a:prstGeom prst="rect">
+            <a:avLst/>
+          </a:prstGeom>
+        </p:spPr>
+        <p:txBody>
+          <a:bodyPr vert="horz" lIns="91440" tIns="45720" rIns="91440" bIns="45720" rtlCol="0"/>
+          <a:lstStyle/>
+          <a:p>
+            <a:pPr lvl="0"/>
+            <a:r>
+              <a:rPr lang="ko-KR" altLang="en-US"/>
+              <a:t>마스터 텍스트 스타일 편집</a:t>
+            </a:r>
+          </a:p>
+          <a:p>
+            <a:pPr lvl="1"/>
+            <a:r>
+              <a:rPr lang="ko-KR" altLang="en-US"/>
+              <a:t>둘째 수준</a:t>
+            </a:r>
+          </a:p>
+          <a:p>
+            <a:pPr lvl="2"/>
+            <a:r>
+              <a:rPr lang="ko-KR" altLang="en-US"/>
+              <a:t>셋째 수준</a:t>
+            </a:r>
+          </a:p>
+          <a:p>
+            <a:pPr lvl="3"/>
+            <a:r>
+              <a:rPr lang="ko-KR" altLang="en-US"/>
+              <a:t>넷째 수준</a:t>
+            </a:r>
+          </a:p>
+          <a:p>
+            <a:pPr lvl="4"/>
+            <a:r>
+              <a:rPr lang="ko-KR" altLang="en-US"/>
+              <a:t>다섯째 수준</a:t>
+            </a:r>
+          </a:p>
+        </p:txBody>
+      </p:sp>
+      <p:sp>
+        <p:nvSpPr>
+          <p:cNvPr id="6" name="바닥글 개체 틀 5"/>
+          <p:cNvSpPr>
+            <a:spLocks noGrp="1"/>
+          </p:cNvSpPr>
+          <p:nvPr>
+            <p:ph type="ftr" sz="quarter" idx="4"/>
+          </p:nvPr>
+        </p:nvSpPr>
+        <p:spPr>
+          <a:xfrm>
+            <a:off x="0" y="8685213"/>
+            <a:ext cx="2971800" cy="458787"/>
+          </a:xfrm>
+          <a:prstGeom prst="rect">
+            <a:avLst/>
+          </a:prstGeom>
+        </p:spPr>
+        <p:txBody>
+          <a:bodyPr vert="horz" lIns="91440" tIns="45720" rIns="91440" bIns="45720" rtlCol="0" anchor="b"/>
+          <a:lstStyle>
+            <a:lvl1pPr algn="l">
+              <a:defRPr sz="1200"/>
+            </a:lvl1pPr>
+          </a:lstStyle>
+          <a:p>
+            <a:endParaRPr lang="ko-KR" altLang="en-US"/>
+          </a:p>
+        </p:txBody>
+      </p:sp>
+      <p:sp>
+        <p:nvSpPr>
+          <p:cNvPr id="7" name="슬라이드 번호 개체 틀 6"/>
+          <p:cNvSpPr>
+            <a:spLocks noGrp="1"/>
+          </p:cNvSpPr>
+          <p:nvPr>
+            <p:ph type="sldNum" sz="quarter" idx="5"/>
+          </p:nvPr>
+        </p:nvSpPr>
+        <p:spPr>
+          <a:xfrm>
+            <a:off x="3884613" y="8685213"/>
+            <a:ext cx="2971800" cy="458787"/>
+          </a:xfrm>
+          <a:prstGeom prst="rect">
+            <a:avLst/>
+          </a:prstGeom>
+        </p:spPr>
+        <p:txBody>
+          <a:bodyPr vert="horz" lIns="91440" tIns="45720" rIns="91440" bIns="45720" rtlCol="0" anchor="b"/>
+          <a:lstStyle>
+            <a:lvl1pPr algn="r">
+              <a:defRPr sz="1200"/>
+            </a:lvl1pPr>
+          </a:lstStyle>
+          <a:p>
+            <a:fld id="{DE367352-15D8-4146-A1DB-DE37CCF223A4}" type="slidenum">
+              <a:rPr lang="ko-KR" altLang="en-US" smtClean="0"/>
+              <a:t>‹#›</a:t>
+            </a:fld>
+            <a:endParaRPr lang="ko-KR" altLang="en-US"/>
+          </a:p>
+        </p:txBody>
+      </p:sp>
+    </p:spTree>
+    <p:extLst>
+      <p:ext uri="{BB962C8B-B14F-4D97-AF65-F5344CB8AC3E}">
+        <p14:creationId xmlns:p14="http://schemas.microsoft.com/office/powerpoint/2010/main" val="3717739966"/>
+      </p:ext>
+    </p:extLst>
+  </p:cSld>
+  <p:clrMap bg1="lt1" tx1="dk1" bg2="lt2" tx2="dk2" accent1="accent1" accent2="accent2" accent3="accent3" accent4="accent4" accent5="accent5" accent6="accent6" hlink="hlink" folHlink="folHlink"/>
+  <p:notesStyle>
+    <a:lvl1pPr marL="0" algn="l" defTabSz="914400" rtl="0" eaLnBrk="1" latinLnBrk="1" hangingPunct="1">
+      <a:defRPr sz="1200" kern="1200">
+        <a:solidFill>
+          <a:schemeClr val="tx1"/>
+        </a:solidFill>
+        <a:latin typeface="+mn-lt"/>
+        <a:ea typeface="+mn-ea"/>
+        <a:cs typeface="+mn-cs"/>
+      </a:defRPr>
+    </a:lvl1pPr>
+    <a:lvl2pPr marL="457200" algn="l" defTabSz="914400" rtl="0" eaLnBrk="1" latinLnBrk="1" hangingPunct="1">
+      <a:defRPr sz="1200" kern="1200">
+        <a:solidFill>
+          <a:schemeClr val="tx1"/>
+        </a:solidFill>
+        <a:latin typeface="+mn-lt"/>
+        <a:ea typeface="+mn-ea"/>
+        <a:cs typeface="+mn-cs"/>
+      </a:defRPr>
+    </a:lvl2pPr>
+    <a:lvl3pPr marL="914400" algn="l" defTabSz="914400" rtl="0" eaLnBrk="1" latinLnBrk="1" hangingPunct="1">
+      <a:defRPr sz="1200" kern="1200">
+        <a:solidFill>
+          <a:schemeClr val="tx1"/>
+        </a:solidFill>
+        <a:latin typeface="+mn-lt"/>
+        <a:ea typeface="+mn-ea"/>
+        <a:cs typeface="+mn-cs"/>
+      </a:defRPr>
+    </a:lvl3pPr>
+    <a:lvl4pPr marL="1371600" algn="l" defTabSz="914400" rtl="0" eaLnBrk="1" latinLnBrk="1" hangingPunct="1">
+      <a:defRPr sz="1200" kern="1200">
+        <a:solidFill>
+          <a:schemeClr val="tx1"/>
+        </a:solidFill>
+        <a:latin typeface="+mn-lt"/>
+        <a:ea typeface="+mn-ea"/>
+        <a:cs typeface="+mn-cs"/>
+      </a:defRPr>
+    </a:lvl4pPr>
+    <a:lvl5pPr marL="1828800" algn="l" defTabSz="914400" rtl="0" eaLnBrk="1" latinLnBrk="1" hangingPunct="1">
+      <a:defRPr sz="1200" kern="1200">
+        <a:solidFill>
+          <a:schemeClr val="tx1"/>
+        </a:solidFill>
+        <a:latin typeface="+mn-lt"/>
+        <a:ea typeface="+mn-ea"/>
+        <a:cs typeface="+mn-cs"/>
+      </a:defRPr>
+    </a:lvl5pPr>
+    <a:lvl6pPr marL="2286000" algn="l" defTabSz="914400" rtl="0" eaLnBrk="1" latinLnBrk="1" hangingPunct="1">
+      <a:defRPr sz="1200" kern="1200">
+        <a:solidFill>
+          <a:schemeClr val="tx1"/>
+        </a:solidFill>
+        <a:latin typeface="+mn-lt"/>
+        <a:ea typeface="+mn-ea"/>
+        <a:cs typeface="+mn-cs"/>
+      </a:defRPr>
+    </a:lvl6pPr>
+    <a:lvl7pPr marL="2743200" algn="l" defTabSz="914400" rtl="0" eaLnBrk="1" latinLnBrk="1" hangingPunct="1">
+      <a:defRPr sz="1200" kern="1200">
+        <a:solidFill>
+          <a:schemeClr val="tx1"/>
+        </a:solidFill>
+        <a:latin typeface="+mn-lt"/>
+        <a:ea typeface="+mn-ea"/>
+        <a:cs typeface="+mn-cs"/>
+      </a:defRPr>
+    </a:lvl7pPr>
+    <a:lvl8pPr marL="3200400" algn="l" defTabSz="914400" rtl="0" eaLnBrk="1" latinLnBrk="1" hangingPunct="1">
+      <a:defRPr sz="1200" kern="1200">
+        <a:solidFill>
+          <a:schemeClr val="tx1"/>
+        </a:solidFill>
+        <a:latin typeface="+mn-lt"/>
+        <a:ea typeface="+mn-ea"/>
+        <a:cs typeface="+mn-cs"/>
+      </a:defRPr>
+    </a:lvl8pPr>
+    <a:lvl9pPr marL="3657600" algn="l" defTabSz="914400" rtl="0" eaLnBrk="1" latinLnBrk="1" hangingPunct="1">
+      <a:defRPr sz="1200" kern="1200">
+        <a:solidFill>
+          <a:schemeClr val="tx1"/>
+        </a:solidFill>
+        <a:latin typeface="+mn-lt"/>
+        <a:ea typeface="+mn-ea"/>
+        <a:cs typeface="+mn-cs"/>
+      </a:defRPr>
+    </a:lvl9pPr>
+  </p:notesStyle>
+</p:notesMaster>
+</file>
+
+<file path=ppt/notesSlides/notesSlide1.xml><?xml version="1.0" encoding="utf-8"?>
+<p:notes xmlns:a="http://schemas.openxmlformats.org/drawingml/2006/main" xmlns:r="http://schemas.openxmlformats.org/officeDocument/2006/relationships" xmlns:p="http://schemas.openxmlformats.org/presentationml/2006/main">
+  <p:cSld>
+    <p:spTree>
+      <p:nvGrpSpPr>
+        <p:cNvPr id="1" name=""/>
+        <p:cNvGrpSpPr/>
+        <p:nvPr/>
+      </p:nvGrpSpPr>
+      <p:grpSpPr>
+        <a:xfrm>
+          <a:off x="0" y="0"/>
+          <a:ext cx="0" cy="0"/>
+          <a:chOff x="0" y="0"/>
+          <a:chExt cx="0" cy="0"/>
+        </a:xfrm>
+      </p:grpSpPr>
+      <p:sp>
+        <p:nvSpPr>
+          <p:cNvPr id="2" name="슬라이드 이미지 개체 틀 1"/>
+          <p:cNvSpPr>
+            <a:spLocks noGrp="1" noRot="1" noChangeAspect="1"/>
+          </p:cNvSpPr>
+          <p:nvPr>
+            <p:ph type="sldImg"/>
+          </p:nvPr>
+        </p:nvSpPr>
+        <p:spPr/>
+      </p:sp>
+      <p:sp>
+        <p:nvSpPr>
+          <p:cNvPr id="3" name="슬라이드 노트 개체 틀 2"/>
+          <p:cNvSpPr>
+            <a:spLocks noGrp="1"/>
+          </p:cNvSpPr>
+          <p:nvPr>
+            <p:ph type="body" idx="1"/>
+          </p:nvPr>
+        </p:nvSpPr>
+        <p:spPr/>
+        <p:txBody>
+          <a:bodyPr/>
+          <a:lstStyle/>
+          <a:p>
+            <a:r>
+              <a:rPr lang="ko-KR" altLang="en-US" dirty="0"/>
+              <a:t>기획 발표 주차부터 </a:t>
+            </a:r>
+            <a:r>
+              <a:rPr lang="ko-KR" altLang="en-US" dirty="0" err="1"/>
+              <a:t>커밋을</a:t>
+            </a:r>
+            <a:r>
+              <a:rPr lang="ko-KR" altLang="en-US" dirty="0"/>
+              <a:t> 시작하였으며 </a:t>
+            </a:r>
+            <a:r>
+              <a:rPr lang="en-US" altLang="ko-KR" dirty="0"/>
+              <a:t>1</a:t>
+            </a:r>
+            <a:r>
+              <a:rPr lang="ko-KR" altLang="en-US" dirty="0"/>
+              <a:t>주차와 </a:t>
+            </a:r>
+            <a:r>
+              <a:rPr lang="en-US" altLang="ko-KR" dirty="0"/>
+              <a:t>2</a:t>
+            </a:r>
+            <a:r>
+              <a:rPr lang="ko-KR" altLang="en-US" dirty="0"/>
+              <a:t>주차 주말 </a:t>
+            </a:r>
+            <a:r>
+              <a:rPr lang="en-US" altLang="ko-KR" dirty="0"/>
+              <a:t>2</a:t>
+            </a:r>
+            <a:r>
+              <a:rPr lang="ko-KR" altLang="en-US" dirty="0"/>
+              <a:t>일 제외하고는 현재 </a:t>
+            </a:r>
+            <a:r>
+              <a:rPr lang="en-US" altLang="ko-KR" dirty="0"/>
+              <a:t>5</a:t>
+            </a:r>
+            <a:r>
+              <a:rPr lang="ko-KR" altLang="en-US" dirty="0"/>
+              <a:t>주차까지 전부 </a:t>
+            </a:r>
+            <a:r>
+              <a:rPr lang="en-US" altLang="ko-KR" dirty="0"/>
+              <a:t>1</a:t>
+            </a:r>
+            <a:r>
+              <a:rPr lang="ko-KR" altLang="en-US" dirty="0"/>
+              <a:t>일 </a:t>
+            </a:r>
+            <a:r>
+              <a:rPr lang="en-US" altLang="ko-KR" dirty="0"/>
+              <a:t>1</a:t>
+            </a:r>
+            <a:r>
+              <a:rPr lang="ko-KR" altLang="en-US" dirty="0" err="1"/>
+              <a:t>커밋</a:t>
+            </a:r>
+            <a:r>
+              <a:rPr lang="ko-KR" altLang="en-US" dirty="0"/>
+              <a:t> 실행 </a:t>
+            </a:r>
+          </a:p>
+        </p:txBody>
+      </p:sp>
+      <p:sp>
+        <p:nvSpPr>
+          <p:cNvPr id="4" name="슬라이드 번호 개체 틀 3"/>
+          <p:cNvSpPr>
+            <a:spLocks noGrp="1"/>
+          </p:cNvSpPr>
+          <p:nvPr>
+            <p:ph type="sldNum" sz="quarter" idx="10"/>
+          </p:nvPr>
+        </p:nvSpPr>
+        <p:spPr/>
+        <p:txBody>
+          <a:bodyPr/>
+          <a:lstStyle/>
+          <a:p>
+            <a:fld id="{DE367352-15D8-4146-A1DB-DE37CCF223A4}" type="slidenum">
+              <a:rPr lang="ko-KR" altLang="en-US" smtClean="0"/>
+              <a:t>6</a:t>
+            </a:fld>
+            <a:endParaRPr lang="ko-KR" altLang="en-US"/>
+          </a:p>
+        </p:txBody>
+      </p:sp>
+    </p:spTree>
+    <p:extLst>
+      <p:ext uri="{BB962C8B-B14F-4D97-AF65-F5344CB8AC3E}">
+        <p14:creationId xmlns:p14="http://schemas.microsoft.com/office/powerpoint/2010/main" val="163728960"/>
+      </p:ext>
+    </p:extLst>
+  </p:cSld>
+  <p:clrMapOvr>
+    <a:masterClrMapping/>
+  </p:clrMapOvr>
+</p:notes>
 </file>
 
 <file path=ppt/slideLayouts/slideLayout1.xml><?xml version="1.0" encoding="utf-8"?>
@@ -3749,8 +4248,8 @@
         </p:nvSpPr>
         <p:spPr>
           <a:xfrm>
-            <a:off x="842963" y="1900238"/>
-            <a:ext cx="4260782" cy="4678204"/>
+            <a:off x="3762380" y="1785462"/>
+            <a:ext cx="4667240" cy="5632311"/>
           </a:xfrm>
           <a:prstGeom prst="rect">
             <a:avLst/>
@@ -3771,18 +4270,21 @@
           <a:lstStyle/>
           <a:p>
             <a:pPr marL="342900" indent="-342900">
+              <a:lnSpc>
+                <a:spcPct val="150000"/>
+              </a:lnSpc>
               <a:buFont typeface="+mj-lt"/>
               <a:buAutoNum type="arabicPeriod"/>
             </a:pPr>
             <a:r>
-              <a:rPr lang="ko-KR" altLang="en-US" sz="4000" b="1" dirty="0">
+              <a:rPr lang="ko-KR" altLang="en-US" sz="4400" b="1" dirty="0">
                 <a:solidFill>
                   <a:srgbClr val="FFC000"/>
                 </a:solidFill>
               </a:rPr>
               <a:t> 게임 컨셉</a:t>
             </a:r>
-            <a:endParaRPr lang="en-US" altLang="ko-KR" sz="4000" b="1" dirty="0">
+            <a:endParaRPr lang="en-US" altLang="ko-KR" sz="4400" b="1" dirty="0">
               <a:solidFill>
                 <a:srgbClr val="FFC000"/>
               </a:solidFill>
@@ -3790,44 +4292,34 @@
           </a:p>
           <a:p>
             <a:pPr marL="342900" indent="-342900">
+              <a:lnSpc>
+                <a:spcPct val="150000"/>
+              </a:lnSpc>
               <a:buFont typeface="+mj-lt"/>
               <a:buAutoNum type="arabicPeriod"/>
             </a:pPr>
-            <a:endParaRPr lang="en-US" altLang="ko-KR" sz="4000" b="1" dirty="0">
-              <a:solidFill>
-                <a:srgbClr val="FFC000"/>
-              </a:solidFill>
-            </a:endParaRPr>
-          </a:p>
-          <a:p>
-            <a:pPr marL="342900" indent="-342900">
-              <a:buFont typeface="+mj-lt"/>
-              <a:buAutoNum type="arabicPeriod"/>
-            </a:pPr>
-            <a:r>
-              <a:rPr lang="ko-KR" altLang="en-US" sz="4000" b="1" dirty="0">
+            <a:r>
+              <a:rPr lang="ko-KR" altLang="en-US" sz="4400" b="1" dirty="0">
                 <a:solidFill>
                   <a:srgbClr val="FFC000"/>
                 </a:solidFill>
               </a:rPr>
               <a:t> 개발 범위</a:t>
             </a:r>
-            <a:endParaRPr lang="en-US" altLang="ko-KR" sz="4000" b="1" dirty="0">
+            <a:endParaRPr lang="en-US" altLang="ko-KR" sz="4400" b="1" dirty="0">
               <a:solidFill>
                 <a:srgbClr val="FFC000"/>
               </a:solidFill>
             </a:endParaRPr>
           </a:p>
           <a:p>
-            <a:endParaRPr lang="en-US" altLang="ko-KR" sz="4000" b="1" dirty="0">
-              <a:solidFill>
-                <a:srgbClr val="FFC000"/>
-              </a:solidFill>
-            </a:endParaRPr>
-          </a:p>
-          <a:p>
-            <a:r>
-              <a:rPr lang="en-US" altLang="ko-KR" sz="4000" b="1" dirty="0">
+            <a:pPr>
+              <a:lnSpc>
+                <a:spcPct val="150000"/>
+              </a:lnSpc>
+            </a:pPr>
+            <a:r>
+              <a:rPr lang="en-US" altLang="ko-KR" sz="4400" b="1" dirty="0">
                 <a:solidFill>
                   <a:srgbClr val="FFC000"/>
                 </a:solidFill>
@@ -3835,29 +4327,27 @@
               <a:t>3. </a:t>
             </a:r>
             <a:r>
-              <a:rPr lang="ko-KR" altLang="en-US" sz="4000" b="1" dirty="0">
+              <a:rPr lang="ko-KR" altLang="en-US" sz="4400" b="1" dirty="0">
                 <a:solidFill>
                   <a:srgbClr val="FFC000"/>
                 </a:solidFill>
               </a:rPr>
               <a:t>개발 상황</a:t>
             </a:r>
-            <a:endParaRPr lang="en-US" altLang="ko-KR" sz="4000" b="1" dirty="0">
+            <a:endParaRPr lang="en-US" altLang="ko-KR" sz="4400" b="1" dirty="0">
               <a:solidFill>
                 <a:srgbClr val="FFC000"/>
               </a:solidFill>
             </a:endParaRPr>
           </a:p>
           <a:p>
-            <a:endParaRPr lang="en-US" altLang="ko-KR" sz="4000" b="1" dirty="0">
-              <a:solidFill>
-                <a:srgbClr val="FFC000"/>
-              </a:solidFill>
-            </a:endParaRPr>
-          </a:p>
-          <a:p>
-            <a:r>
-              <a:rPr lang="en-US" altLang="ko-KR" sz="4000" b="1" dirty="0">
+            <a:pPr>
+              <a:lnSpc>
+                <a:spcPct val="150000"/>
+              </a:lnSpc>
+            </a:pPr>
+            <a:r>
+              <a:rPr lang="en-US" altLang="ko-KR" sz="4400" b="1" dirty="0">
                 <a:solidFill>
                   <a:srgbClr val="FFC000"/>
                 </a:solidFill>
@@ -3866,11 +4356,42 @@
             </a:r>
           </a:p>
           <a:p>
+            <a:pPr>
+              <a:lnSpc>
+                <a:spcPct val="150000"/>
+              </a:lnSpc>
+            </a:pPr>
+            <a:r>
+              <a:rPr lang="en-US" altLang="ko-KR" sz="4400" b="1" dirty="0">
+                <a:solidFill>
+                  <a:srgbClr val="FFC000"/>
+                </a:solidFill>
+              </a:rPr>
+              <a:t>5. </a:t>
+            </a:r>
+            <a:r>
+              <a:rPr lang="ko-KR" altLang="en-US" sz="4400" b="1" dirty="0">
+                <a:solidFill>
+                  <a:srgbClr val="FFC000"/>
+                </a:solidFill>
+              </a:rPr>
+              <a:t>게임시연</a:t>
+            </a:r>
+            <a:endParaRPr lang="en-US" altLang="ko-KR" sz="4400" b="1" dirty="0">
+              <a:solidFill>
+                <a:srgbClr val="FFC000"/>
+              </a:solidFill>
+            </a:endParaRPr>
+          </a:p>
+          <a:p>
             <a:pPr marL="342900" indent="-342900">
+              <a:lnSpc>
+                <a:spcPct val="150000"/>
+              </a:lnSpc>
               <a:buFont typeface="+mj-lt"/>
               <a:buAutoNum type="arabicPeriod"/>
             </a:pPr>
-            <a:endParaRPr lang="ko-KR" altLang="en-US" dirty="0">
+            <a:endParaRPr lang="ko-KR" altLang="en-US" sz="2000" dirty="0">
               <a:solidFill>
                 <a:srgbClr val="FFFF00"/>
               </a:solidFill>
@@ -4367,7 +4888,7 @@
           <p:nvPr>
             <p:extLst>
               <p:ext uri="{D42A27DB-BD31-4B8C-83A1-F6EECF244321}">
-                <p14:modId xmlns:p14="http://schemas.microsoft.com/office/powerpoint/2010/main" val="1081157607"/>
+                <p14:modId xmlns:p14="http://schemas.microsoft.com/office/powerpoint/2010/main" val="3862318953"/>
               </p:ext>
             </p:extLst>
           </p:nvPr>
@@ -4739,7 +5260,7 @@
                       </a:r>
                       <a:r>
                         <a:rPr lang="ko-KR" altLang="en-US" sz="1400" dirty="0"/>
-                        <a:t>보스 몬스터 처치 시 보상</a:t>
+                        <a:t>보스 몬스터 처치 시 보상 있음 </a:t>
                       </a:r>
                     </a:p>
                   </a:txBody>
@@ -5815,7 +6336,7 @@
     <p:bg>
       <p:bgPr>
         <a:blipFill dpi="0" rotWithShape="1">
-          <a:blip r:embed="rId2">
+          <a:blip r:embed="rId3">
             <a:alphaModFix amt="91000"/>
             <a:lum/>
           </a:blip>
@@ -5922,6 +6443,36 @@
           </a:p>
         </p:txBody>
       </p:sp>
+      <p:pic>
+        <p:nvPicPr>
+          <p:cNvPr id="3" name="그림 2">
+            <a:extLst>
+              <a:ext uri="{FF2B5EF4-FFF2-40B4-BE49-F238E27FC236}">
+                <a16:creationId xmlns:a16="http://schemas.microsoft.com/office/drawing/2014/main" id="{4F2B4B92-7257-4599-83A2-29AC3568307B}"/>
+              </a:ext>
+            </a:extLst>
+          </p:cNvPr>
+          <p:cNvPicPr>
+            <a:picLocks noChangeAspect="1"/>
+          </p:cNvPicPr>
+          <p:nvPr/>
+        </p:nvPicPr>
+        <p:blipFill>
+          <a:blip r:embed="rId4"/>
+          <a:stretch>
+            <a:fillRect/>
+          </a:stretch>
+        </p:blipFill>
+        <p:spPr>
+          <a:xfrm>
+            <a:off x="2205038" y="1785462"/>
+            <a:ext cx="7781925" cy="4410550"/>
+          </a:xfrm>
+          <a:prstGeom prst="rect">
+            <a:avLst/>
+          </a:prstGeom>
+        </p:spPr>
+      </p:pic>
     </p:spTree>
     <p:extLst>
       <p:ext uri="{BB962C8B-B14F-4D97-AF65-F5344CB8AC3E}">
@@ -6557,4 +7108,299 @@
     </a:ext>
   </a:extLst>
 </a:theme>
+</file>
+
+<file path=ppt/theme/theme2.xml><?xml version="1.0" encoding="utf-8"?>
+<a:theme xmlns:a="http://schemas.openxmlformats.org/drawingml/2006/main" name="Office 테마">
+  <a:themeElements>
+    <a:clrScheme name="Office">
+      <a:dk1>
+        <a:sysClr val="windowText" lastClr="000000"/>
+      </a:dk1>
+      <a:lt1>
+        <a:sysClr val="window" lastClr="FFFFFF"/>
+      </a:lt1>
+      <a:dk2>
+        <a:srgbClr val="44546A"/>
+      </a:dk2>
+      <a:lt2>
+        <a:srgbClr val="E7E6E6"/>
+      </a:lt2>
+      <a:accent1>
+        <a:srgbClr val="4472C4"/>
+      </a:accent1>
+      <a:accent2>
+        <a:srgbClr val="ED7D31"/>
+      </a:accent2>
+      <a:accent3>
+        <a:srgbClr val="A5A5A5"/>
+      </a:accent3>
+      <a:accent4>
+        <a:srgbClr val="FFC000"/>
+      </a:accent4>
+      <a:accent5>
+        <a:srgbClr val="5B9BD5"/>
+      </a:accent5>
+      <a:accent6>
+        <a:srgbClr val="70AD47"/>
+      </a:accent6>
+      <a:hlink>
+        <a:srgbClr val="0563C1"/>
+      </a:hlink>
+      <a:folHlink>
+        <a:srgbClr val="954F72"/>
+      </a:folHlink>
+    </a:clrScheme>
+    <a:fontScheme name="Office">
+      <a:majorFont>
+        <a:latin typeface="맑은 고딕" panose="020F0302020204030204"/>
+        <a:ea typeface=""/>
+        <a:cs typeface=""/>
+        <a:font script="Jpan" typeface="游ゴシック Light"/>
+        <a:font script="Hang" typeface="맑은 고딕"/>
+        <a:font script="Hans" typeface="等线 Light"/>
+        <a:font script="Hant" typeface="新細明體"/>
+        <a:font script="Arab" typeface="Times New Roman"/>
+        <a:font script="Hebr" typeface="Times New Roman"/>
+        <a:font script="Thai" typeface="Angsana New"/>
+        <a:font script="Ethi" typeface="Nyala"/>
+        <a:font script="Beng" typeface="Vrinda"/>
+        <a:font script="Gujr" typeface="Shruti"/>
+        <a:font script="Khmr" typeface="MoolBoran"/>
+        <a:font script="Knda" typeface="Tunga"/>
+        <a:font script="Guru" typeface="Raavi"/>
+        <a:font script="Cans" typeface="Euphemia"/>
+        <a:font script="Cher" typeface="Plantagenet Cherokee"/>
+        <a:font script="Yiii" typeface="Microsoft Yi Baiti"/>
+        <a:font script="Tibt" typeface="Microsoft Himalaya"/>
+        <a:font script="Thaa" typeface="MV Boli"/>
+        <a:font script="Deva" typeface="Mangal"/>
+        <a:font script="Telu" typeface="Gautami"/>
+        <a:font script="Taml" typeface="Latha"/>
+        <a:font script="Syrc" typeface="Estrangelo Edessa"/>
+        <a:font script="Orya" typeface="Kalinga"/>
+        <a:font script="Mlym" typeface="Kartika"/>
+        <a:font script="Laoo" typeface="DokChampa"/>
+        <a:font script="Sinh" typeface="Iskoola Pota"/>
+        <a:font script="Mong" typeface="Mongolian Baiti"/>
+        <a:font script="Viet" typeface="Times New Roman"/>
+        <a:font script="Uigh" typeface="Microsoft Uighur"/>
+        <a:font script="Geor" typeface="Sylfaen"/>
+        <a:font script="Armn" typeface="Arial"/>
+        <a:font script="Bugi" typeface="Leelawadee UI"/>
+        <a:font script="Bopo" typeface="Microsoft JhengHei"/>
+        <a:font script="Java" typeface="Javanese Text"/>
+        <a:font script="Lisu" typeface="Segoe UI"/>
+        <a:font script="Mymr" typeface="Myanmar Text"/>
+        <a:font script="Nkoo" typeface="Ebrima"/>
+        <a:font script="Olck" typeface="Nirmala UI"/>
+        <a:font script="Osma" typeface="Ebrima"/>
+        <a:font script="Phag" typeface="Phagspa"/>
+        <a:font script="Syrn" typeface="Estrangelo Edessa"/>
+        <a:font script="Syrj" typeface="Estrangelo Edessa"/>
+        <a:font script="Syre" typeface="Estrangelo Edessa"/>
+        <a:font script="Sora" typeface="Nirmala UI"/>
+        <a:font script="Tale" typeface="Microsoft Tai Le"/>
+        <a:font script="Talu" typeface="Microsoft New Tai Lue"/>
+        <a:font script="Tfng" typeface="Ebrima"/>
+      </a:majorFont>
+      <a:minorFont>
+        <a:latin typeface="맑은 고딕" panose="020F0502020204030204"/>
+        <a:ea typeface=""/>
+        <a:cs typeface=""/>
+        <a:font script="Jpan" typeface="游ゴシック"/>
+        <a:font script="Hang" typeface="맑은 고딕"/>
+        <a:font script="Hans" typeface="等线"/>
+        <a:font script="Hant" typeface="新細明體"/>
+        <a:font script="Arab" typeface="Arial"/>
+        <a:font script="Hebr" typeface="Arial"/>
+        <a:font script="Thai" typeface="Cordia New"/>
+        <a:font script="Ethi" typeface="Nyala"/>
+        <a:font script="Beng" typeface="Vrinda"/>
+        <a:font script="Gujr" typeface="Shruti"/>
+        <a:font script="Khmr" typeface="DaunPenh"/>
+        <a:font script="Knda" typeface="Tunga"/>
+        <a:font script="Guru" typeface="Raavi"/>
+        <a:font script="Cans" typeface="Euphemia"/>
+        <a:font script="Cher" typeface="Plantagenet Cherokee"/>
+        <a:font script="Yiii" typeface="Microsoft Yi Baiti"/>
+        <a:font script="Tibt" typeface="Microsoft Himalaya"/>
+        <a:font script="Thaa" typeface="MV Boli"/>
+        <a:font script="Deva" typeface="Mangal"/>
+        <a:font script="Telu" typeface="Gautami"/>
+        <a:font script="Taml" typeface="Latha"/>
+        <a:font script="Syrc" typeface="Estrangelo Edessa"/>
+        <a:font script="Orya" typeface="Kalinga"/>
+        <a:font script="Mlym" typeface="Kartika"/>
+        <a:font script="Laoo" typeface="DokChampa"/>
+        <a:font script="Sinh" typeface="Iskoola Pota"/>
+        <a:font script="Mong" typeface="Mongolian Baiti"/>
+        <a:font script="Viet" typeface="Arial"/>
+        <a:font script="Uigh" typeface="Microsoft Uighur"/>
+        <a:font script="Geor" typeface="Sylfaen"/>
+        <a:font script="Armn" typeface="Arial"/>
+        <a:font script="Bugi" typeface="Leelawadee UI"/>
+        <a:font script="Bopo" typeface="Microsoft JhengHei"/>
+        <a:font script="Java" typeface="Javanese Text"/>
+        <a:font script="Lisu" typeface="Segoe UI"/>
+        <a:font script="Mymr" typeface="Myanmar Text"/>
+        <a:font script="Nkoo" typeface="Ebrima"/>
+        <a:font script="Olck" typeface="Nirmala UI"/>
+        <a:font script="Osma" typeface="Ebrima"/>
+        <a:font script="Phag" typeface="Phagspa"/>
+        <a:font script="Syrn" typeface="Estrangelo Edessa"/>
+        <a:font script="Syrj" typeface="Estrangelo Edessa"/>
+        <a:font script="Syre" typeface="Estrangelo Edessa"/>
+        <a:font script="Sora" typeface="Nirmala UI"/>
+        <a:font script="Tale" typeface="Microsoft Tai Le"/>
+        <a:font script="Talu" typeface="Microsoft New Tai Lue"/>
+        <a:font script="Tfng" typeface="Ebrima"/>
+      </a:minorFont>
+    </a:fontScheme>
+    <a:fmtScheme name="Office">
+      <a:fillStyleLst>
+        <a:solidFill>
+          <a:schemeClr val="phClr"/>
+        </a:solidFill>
+        <a:gradFill rotWithShape="1">
+          <a:gsLst>
+            <a:gs pos="0">
+              <a:schemeClr val="phClr">
+                <a:lumMod val="110000"/>
+                <a:satMod val="105000"/>
+                <a:tint val="67000"/>
+              </a:schemeClr>
+            </a:gs>
+            <a:gs pos="50000">
+              <a:schemeClr val="phClr">
+                <a:lumMod val="105000"/>
+                <a:satMod val="103000"/>
+                <a:tint val="73000"/>
+              </a:schemeClr>
+            </a:gs>
+            <a:gs pos="100000">
+              <a:schemeClr val="phClr">
+                <a:lumMod val="105000"/>
+                <a:satMod val="109000"/>
+                <a:tint val="81000"/>
+              </a:schemeClr>
+            </a:gs>
+          </a:gsLst>
+          <a:lin ang="5400000" scaled="0"/>
+        </a:gradFill>
+        <a:gradFill rotWithShape="1">
+          <a:gsLst>
+            <a:gs pos="0">
+              <a:schemeClr val="phClr">
+                <a:satMod val="103000"/>
+                <a:lumMod val="102000"/>
+                <a:tint val="94000"/>
+              </a:schemeClr>
+            </a:gs>
+            <a:gs pos="50000">
+              <a:schemeClr val="phClr">
+                <a:satMod val="110000"/>
+                <a:lumMod val="100000"/>
+                <a:shade val="100000"/>
+              </a:schemeClr>
+            </a:gs>
+            <a:gs pos="100000">
+              <a:schemeClr val="phClr">
+                <a:lumMod val="99000"/>
+                <a:satMod val="120000"/>
+                <a:shade val="78000"/>
+              </a:schemeClr>
+            </a:gs>
+          </a:gsLst>
+          <a:lin ang="5400000" scaled="0"/>
+        </a:gradFill>
+      </a:fillStyleLst>
+      <a:lnStyleLst>
+        <a:ln w="6350" cap="flat" cmpd="sng" algn="ctr">
+          <a:solidFill>
+            <a:schemeClr val="phClr"/>
+          </a:solidFill>
+          <a:prstDash val="solid"/>
+          <a:miter lim="800000"/>
+        </a:ln>
+        <a:ln w="12700" cap="flat" cmpd="sng" algn="ctr">
+          <a:solidFill>
+            <a:schemeClr val="phClr"/>
+          </a:solidFill>
+          <a:prstDash val="solid"/>
+          <a:miter lim="800000"/>
+        </a:ln>
+        <a:ln w="19050" cap="flat" cmpd="sng" algn="ctr">
+          <a:solidFill>
+            <a:schemeClr val="phClr"/>
+          </a:solidFill>
+          <a:prstDash val="solid"/>
+          <a:miter lim="800000"/>
+        </a:ln>
+      </a:lnStyleLst>
+      <a:effectStyleLst>
+        <a:effectStyle>
+          <a:effectLst/>
+        </a:effectStyle>
+        <a:effectStyle>
+          <a:effectLst/>
+        </a:effectStyle>
+        <a:effectStyle>
+          <a:effectLst>
+            <a:outerShdw blurRad="57150" dist="19050" dir="5400000" algn="ctr" rotWithShape="0">
+              <a:srgbClr val="000000">
+                <a:alpha val="63000"/>
+              </a:srgbClr>
+            </a:outerShdw>
+          </a:effectLst>
+        </a:effectStyle>
+      </a:effectStyleLst>
+      <a:bgFillStyleLst>
+        <a:solidFill>
+          <a:schemeClr val="phClr"/>
+        </a:solidFill>
+        <a:solidFill>
+          <a:schemeClr val="phClr">
+            <a:tint val="95000"/>
+            <a:satMod val="170000"/>
+          </a:schemeClr>
+        </a:solidFill>
+        <a:gradFill rotWithShape="1">
+          <a:gsLst>
+            <a:gs pos="0">
+              <a:schemeClr val="phClr">
+                <a:tint val="93000"/>
+                <a:satMod val="150000"/>
+                <a:shade val="98000"/>
+                <a:lumMod val="102000"/>
+              </a:schemeClr>
+            </a:gs>
+            <a:gs pos="50000">
+              <a:schemeClr val="phClr">
+                <a:tint val="98000"/>
+                <a:satMod val="130000"/>
+                <a:shade val="90000"/>
+                <a:lumMod val="103000"/>
+              </a:schemeClr>
+            </a:gs>
+            <a:gs pos="100000">
+              <a:schemeClr val="phClr">
+                <a:shade val="63000"/>
+                <a:satMod val="120000"/>
+              </a:schemeClr>
+            </a:gs>
+          </a:gsLst>
+          <a:lin ang="5400000" scaled="0"/>
+        </a:gradFill>
+      </a:bgFillStyleLst>
+    </a:fmtScheme>
+  </a:themeElements>
+  <a:objectDefaults/>
+  <a:extraClrSchemeLst/>
+  <a:extLst>
+    <a:ext uri="{05A4C25C-085E-4340-85A3-A5531E510DB2}">
+      <thm15:themeFamily xmlns:thm15="http://schemas.microsoft.com/office/thememl/2012/main" name="Office Theme" id="{62F939B6-93AF-4DB8-9C6B-D6C7DFDC589F}" vid="{4A3C46E8-61CC-4603-A589-7422A47A8E4A}"/>
+    </a:ext>
+  </a:extLst>
+</a:theme>
 </file>
--- a/2차발표.pptx
+++ b/2차발표.pptx
@@ -577,12 +577,17 @@
             </a:r>
             <a:r>
               <a:rPr lang="ko-KR" altLang="en-US" dirty="0" err="1"/>
-              <a:t>커밋</a:t>
+              <a:t>커밋이상</a:t>
             </a:r>
             <a:r>
               <a:rPr lang="ko-KR" altLang="en-US" dirty="0"/>
-              <a:t> 실행 </a:t>
-            </a:r>
+              <a:t> 실행하여 꾸준히 개발을 진행하였습니다</a:t>
+            </a:r>
+            <a:r>
+              <a:rPr lang="en-US" altLang="ko-KR" dirty="0"/>
+              <a:t>. </a:t>
+            </a:r>
+            <a:endParaRPr lang="ko-KR" altLang="en-US" dirty="0"/>
           </a:p>
         </p:txBody>
       </p:sp>
@@ -4459,7 +4464,7 @@
         <p:spPr>
           <a:xfrm>
             <a:off x="5758155" y="1785462"/>
-            <a:ext cx="5760720" cy="4401205"/>
+            <a:ext cx="5760720" cy="3539430"/>
           </a:xfrm>
           <a:prstGeom prst="rect">
             <a:avLst/>
@@ -4489,7 +4494,7 @@
                   <a:schemeClr val="accent4"/>
                 </a:solidFill>
               </a:rPr>
-              <a:t>외계인들의 공격에서 살아남아야 한다</a:t>
+              <a:t>몰려오는 외계인들을 회피하고 공격하여 처치하라</a:t>
             </a:r>
             <a:r>
               <a:rPr lang="en-US" altLang="ko-KR" sz="2800" b="1" dirty="0">
@@ -4522,7 +4527,7 @@
                   <a:schemeClr val="accent4"/>
                 </a:solidFill>
               </a:rPr>
-              <a:t>외계인들을 회피하고 공격하라</a:t>
+              <a:t>스킬과 필살기를 적절히 활용하라</a:t>
             </a:r>
             <a:r>
               <a:rPr lang="en-US" altLang="ko-KR" sz="2800" b="1" dirty="0">
@@ -4555,39 +4560,6 @@
                   <a:schemeClr val="accent4"/>
                 </a:solidFill>
               </a:rPr>
-              <a:t>스킬과 필살기를 적절히 활용하라</a:t>
-            </a:r>
-            <a:r>
-              <a:rPr lang="en-US" altLang="ko-KR" sz="2800" b="1" dirty="0">
-                <a:solidFill>
-                  <a:schemeClr val="accent4"/>
-                </a:solidFill>
-              </a:rPr>
-              <a:t>!</a:t>
-            </a:r>
-          </a:p>
-          <a:p>
-            <a:pPr marL="457200" indent="-457200">
-              <a:buFont typeface="Arial" panose="020B0604020202020204" pitchFamily="34" charset="0"/>
-              <a:buChar char="•"/>
-            </a:pPr>
-            <a:endParaRPr lang="en-US" altLang="ko-KR" sz="2800" b="1" dirty="0">
-              <a:solidFill>
-                <a:schemeClr val="accent4"/>
-              </a:solidFill>
-            </a:endParaRPr>
-          </a:p>
-          <a:p>
-            <a:pPr marL="457200" indent="-457200">
-              <a:buFont typeface="Arial" panose="020B0604020202020204" pitchFamily="34" charset="0"/>
-              <a:buChar char="•"/>
-            </a:pPr>
-            <a:r>
-              <a:rPr lang="ko-KR" altLang="en-US" sz="2800" b="1" dirty="0">
-                <a:solidFill>
-                  <a:schemeClr val="accent4"/>
-                </a:solidFill>
-              </a:rPr>
               <a:t>오랜 시간 생존해서 높은 스코어를 달성하라</a:t>
             </a:r>
             <a:r>
@@ -4620,8 +4592,8 @@
         </p:nvSpPr>
         <p:spPr>
           <a:xfrm>
-            <a:off x="3603971" y="338912"/>
-            <a:ext cx="4984057" cy="1446550"/>
+            <a:off x="170339" y="338912"/>
+            <a:ext cx="11851321" cy="923330"/>
           </a:xfrm>
           <a:prstGeom prst="rect">
             <a:avLst/>
@@ -4645,7 +4617,7 @@
           <a:p>
             <a:pPr algn="ctr"/>
             <a:r>
-              <a:rPr lang="ko-KR" altLang="en-US" sz="8800" b="1" dirty="0">
+              <a:rPr lang="ko-KR" altLang="en-US" sz="5400" b="1" dirty="0">
                 <a:ln w="12700" cmpd="sng">
                   <a:solidFill>
                     <a:schemeClr val="accent4"/>
@@ -4682,8 +4654,85 @@
                 <a:latin typeface="HY목각파임B" panose="02030600000101010101" pitchFamily="18" charset="-127"/>
                 <a:ea typeface="HY목각파임B" panose="02030600000101010101" pitchFamily="18" charset="-127"/>
               </a:rPr>
-              <a:t>게임 컨셉</a:t>
-            </a:r>
+              <a:t>몰려오는 외계인으로부터 살아남아라</a:t>
+            </a:r>
+            <a:r>
+              <a:rPr lang="en-US" altLang="ko-KR" sz="5400" b="1" dirty="0">
+                <a:ln w="12700" cmpd="sng">
+                  <a:solidFill>
+                    <a:schemeClr val="accent4"/>
+                  </a:solidFill>
+                  <a:prstDash val="solid"/>
+                </a:ln>
+                <a:gradFill>
+                  <a:gsLst>
+                    <a:gs pos="0">
+                      <a:schemeClr val="accent4"/>
+                    </a:gs>
+                    <a:gs pos="4000">
+                      <a:schemeClr val="accent4">
+                        <a:lumMod val="60000"/>
+                        <a:lumOff val="40000"/>
+                      </a:schemeClr>
+                    </a:gs>
+                    <a:gs pos="87000">
+                      <a:schemeClr val="accent4">
+                        <a:lumMod val="20000"/>
+                        <a:lumOff val="80000"/>
+                      </a:schemeClr>
+                    </a:gs>
+                  </a:gsLst>
+                  <a:lin ang="5400000"/>
+                </a:gradFill>
+                <a:effectLst>
+                  <a:outerShdw blurRad="50800" dist="38100" dir="5400000" algn="t" rotWithShape="0">
+                    <a:prstClr val="black">
+                      <a:alpha val="40000"/>
+                    </a:prstClr>
+                  </a:outerShdw>
+                </a:effectLst>
+                <a:latin typeface="HY목각파임B" panose="02030600000101010101" pitchFamily="18" charset="-127"/>
+                <a:ea typeface="HY목각파임B" panose="02030600000101010101" pitchFamily="18" charset="-127"/>
+              </a:rPr>
+              <a:t>!</a:t>
+            </a:r>
+            <a:endParaRPr lang="ko-KR" altLang="en-US" sz="5400" b="1" dirty="0">
+              <a:ln w="12700" cmpd="sng">
+                <a:solidFill>
+                  <a:schemeClr val="accent4"/>
+                </a:solidFill>
+                <a:prstDash val="solid"/>
+              </a:ln>
+              <a:gradFill>
+                <a:gsLst>
+                  <a:gs pos="0">
+                    <a:schemeClr val="accent4"/>
+                  </a:gs>
+                  <a:gs pos="4000">
+                    <a:schemeClr val="accent4">
+                      <a:lumMod val="60000"/>
+                      <a:lumOff val="40000"/>
+                    </a:schemeClr>
+                  </a:gs>
+                  <a:gs pos="87000">
+                    <a:schemeClr val="accent4">
+                      <a:lumMod val="20000"/>
+                      <a:lumOff val="80000"/>
+                    </a:schemeClr>
+                  </a:gs>
+                </a:gsLst>
+                <a:lin ang="5400000"/>
+              </a:gradFill>
+              <a:effectLst>
+                <a:outerShdw blurRad="50800" dist="38100" dir="5400000" algn="t" rotWithShape="0">
+                  <a:prstClr val="black">
+                    <a:alpha val="40000"/>
+                  </a:prstClr>
+                </a:outerShdw>
+              </a:effectLst>
+              <a:latin typeface="HY목각파임B" panose="02030600000101010101" pitchFamily="18" charset="-127"/>
+              <a:ea typeface="HY목각파임B" panose="02030600000101010101" pitchFamily="18" charset="-127"/>
+            </a:endParaRPr>
           </a:p>
         </p:txBody>
       </p:sp>
@@ -4888,7 +4937,7 @@
           <p:nvPr>
             <p:extLst>
               <p:ext uri="{D42A27DB-BD31-4B8C-83A1-F6EECF244321}">
-                <p14:modId xmlns:p14="http://schemas.microsoft.com/office/powerpoint/2010/main" val="3862318953"/>
+                <p14:modId xmlns:p14="http://schemas.microsoft.com/office/powerpoint/2010/main" val="3778622870"/>
               </p:ext>
             </p:extLst>
           </p:nvPr>
@@ -5124,6 +5173,38 @@
                         <a:rPr lang="ko-KR" altLang="en-US" sz="1400" dirty="0"/>
                         <a:t>구현 </a:t>
                       </a:r>
+                      <a:endParaRPr lang="en-US" altLang="ko-KR" sz="1400" dirty="0"/>
+                    </a:p>
+                    <a:p>
+                      <a:pPr latinLnBrk="1"/>
+                      <a:r>
+                        <a:rPr lang="ko-KR" altLang="en-US" sz="1400" dirty="0"/>
+                        <a:t>기본 적군 </a:t>
+                      </a:r>
+                      <a:r>
+                        <a:rPr lang="en-US" altLang="ko-KR" sz="1400" dirty="0"/>
+                        <a:t>monster</a:t>
+                      </a:r>
+                      <a:r>
+                        <a:rPr lang="ko-KR" altLang="en-US" sz="1400" dirty="0"/>
+                        <a:t>는 스킬이 없고 움직임이 단순</a:t>
+                      </a:r>
+                      <a:r>
+                        <a:rPr lang="en-US" altLang="ko-KR" sz="1400" dirty="0"/>
+                        <a:t>, </a:t>
+                      </a:r>
+                      <a:r>
+                        <a:rPr lang="ko-KR" altLang="en-US" sz="1400" dirty="0"/>
+                        <a:t>보스 몬스터는 움직임이 복잡</a:t>
+                      </a:r>
+                      <a:r>
+                        <a:rPr lang="en-US" altLang="ko-KR" sz="1400" dirty="0"/>
+                        <a:t>, </a:t>
+                      </a:r>
+                      <a:r>
+                        <a:rPr lang="ko-KR" altLang="en-US" sz="1400" dirty="0"/>
+                        <a:t>스킬 보유</a:t>
+                      </a:r>
                     </a:p>
                   </a:txBody>
                   <a:tcPr/>
@@ -5172,20 +5253,44 @@
                         <a:t>, </a:t>
                       </a:r>
                       <a:r>
-                        <a:rPr lang="ko-KR" altLang="en-US" sz="1400" dirty="0"/>
-                        <a:t>강력한 </a:t>
-                      </a:r>
-                      <a:r>
-                        <a:rPr lang="en-US" altLang="ko-KR" sz="1400" dirty="0"/>
-                        <a:t>boss monster,  </a:t>
-                      </a:r>
-                      <a:r>
                         <a:rPr lang="ko-KR" altLang="en-US" sz="1400" dirty="0" err="1"/>
                         <a:t>필살기</a:t>
                       </a:r>
                       <a:r>
                         <a:rPr lang="ko-KR" altLang="en-US" sz="1400" dirty="0"/>
-                        <a:t> 횟수와 스킬 사용 횟수에 제한을 두어 난이도 조정 </a:t>
+                        <a:t> 횟수와 스킬 사용 횟수에 제한</a:t>
+                      </a:r>
+                      <a:r>
+                        <a:rPr lang="en-US" altLang="ko-KR" sz="1400" dirty="0"/>
+                        <a:t>, monster</a:t>
+                      </a:r>
+                      <a:r>
+                        <a:rPr lang="ko-KR" altLang="en-US" sz="1400" dirty="0"/>
+                        <a:t>의 능력치</a:t>
+                      </a:r>
+                      <a:r>
+                        <a:rPr lang="en-US" altLang="ko-KR" sz="1400" dirty="0"/>
+                        <a:t>, </a:t>
+                      </a:r>
+                      <a:r>
+                        <a:rPr lang="ko-KR" altLang="en-US" sz="1400" dirty="0"/>
+                        <a:t>속도 </a:t>
+                      </a:r>
+                      <a:r>
+                        <a:rPr lang="ko-KR" altLang="en-US" sz="1400" dirty="0" err="1"/>
+                        <a:t>조정등을</a:t>
+                      </a:r>
+                      <a:r>
+                        <a:rPr lang="ko-KR" altLang="en-US" sz="1400" dirty="0"/>
+                        <a:t> 통해</a:t>
+                      </a:r>
+                      <a:r>
+                        <a:rPr lang="en-US" altLang="ko-KR" sz="1400" dirty="0"/>
+                        <a:t> </a:t>
+                      </a:r>
+                      <a:r>
+                        <a:rPr lang="ko-KR" altLang="en-US" sz="1400" dirty="0"/>
+                        <a:t> 적절한 난이도 조정 </a:t>
                       </a:r>
                     </a:p>
                   </a:txBody>
@@ -5608,14 +5713,14 @@
           <p:nvPr>
             <p:extLst>
               <p:ext uri="{D42A27DB-BD31-4B8C-83A1-F6EECF244321}">
-                <p14:modId xmlns:p14="http://schemas.microsoft.com/office/powerpoint/2010/main" val="889365171"/>
+                <p14:modId xmlns:p14="http://schemas.microsoft.com/office/powerpoint/2010/main" val="3140686106"/>
               </p:ext>
             </p:extLst>
           </p:nvPr>
         </p:nvGraphicFramePr>
         <p:xfrm>
           <a:off x="1066800" y="1633929"/>
-          <a:ext cx="10058400" cy="4637281"/>
+          <a:ext cx="10058400" cy="4586696"/>
         </p:xfrm>
         <a:graphic>
           <a:graphicData uri="http://schemas.openxmlformats.org/drawingml/2006/table">
@@ -5941,7 +6046,23 @@
                       </a:r>
                       <a:r>
                         <a:rPr lang="ko-KR" altLang="en-US" sz="1400" dirty="0"/>
-                        <a:t>의 움직임과 공격</a:t>
+                        <a:t>의 </a:t>
+                      </a:r>
+                      <a:r>
+                        <a:rPr lang="ko-KR" altLang="en-US" sz="1400" dirty="0" err="1"/>
+                        <a:t>능력치값</a:t>
+                      </a:r>
+                      <a:r>
+                        <a:rPr lang="ko-KR" altLang="en-US" sz="1400" dirty="0"/>
+                        <a:t> 설정</a:t>
+                      </a:r>
+                      <a:r>
+                        <a:rPr lang="en-US" altLang="ko-KR" sz="1400" dirty="0"/>
+                        <a:t>, </a:t>
+                      </a:r>
+                      <a:r>
+                        <a:rPr lang="ko-KR" altLang="en-US" sz="1400" dirty="0"/>
+                        <a:t>움직임과 공격</a:t>
                       </a:r>
                       <a:r>
                         <a:rPr lang="en-US" altLang="ko-KR" sz="1400" dirty="0"/>
@@ -6069,7 +6190,15 @@
                       </a:r>
                       <a:r>
                         <a:rPr lang="ko-KR" altLang="en-US" sz="1400" dirty="0"/>
-                        <a:t>처치 시 획득 점수 등을 설정하여 구현 완료 </a:t>
+                        <a:t>처치 시 획득 점수</a:t>
+                      </a:r>
+                      <a:r>
+                        <a:rPr lang="en-US" altLang="ko-KR" sz="1400" dirty="0"/>
+                        <a:t> </a:t>
+                      </a:r>
+                      <a:r>
+                        <a:rPr lang="ko-KR" altLang="en-US" sz="1400" dirty="0"/>
+                        <a:t>등을 설정하고 처치 시 모션까지 구현 완료 </a:t>
                       </a:r>
                     </a:p>
                   </a:txBody>
@@ -6167,22 +6296,6 @@
                         <a:rPr lang="ko-KR" altLang="en-US" sz="1400" dirty="0"/>
                         <a:t>의 수류탄 스킬 구현 완료</a:t>
                       </a:r>
-                      <a:r>
-                        <a:rPr lang="en-US" altLang="ko-KR" sz="1400" dirty="0"/>
-                        <a:t>, </a:t>
-                      </a:r>
-                      <a:r>
-                        <a:rPr lang="ko-KR" altLang="en-US" sz="1400" dirty="0"/>
-                        <a:t>적군은 스킬은 안 쓰는 것으로 변경 </a:t>
-                      </a:r>
-                      <a:r>
-                        <a:rPr lang="en-US" altLang="ko-KR" sz="1400" dirty="0"/>
-                        <a:t>, </a:t>
-                      </a:r>
-                      <a:r>
-                        <a:rPr lang="ko-KR" altLang="en-US" sz="1400" dirty="0"/>
-                        <a:t>보스만 스킬을 사용하도록 할 예정 </a:t>
-                      </a:r>
                     </a:p>
                   </a:txBody>
                   <a:tcPr/>
@@ -6272,35 +6385,47 @@
                       </a:r>
                       <a:r>
                         <a:rPr lang="en-US" altLang="ko-KR" sz="1400" dirty="0"/>
-                        <a:t>, </a:t>
+                        <a:t>, score</a:t>
                       </a:r>
                       <a:r>
                         <a:rPr lang="ko-KR" altLang="en-US" sz="1400" dirty="0"/>
-                        <a:t>밸런스 조정을 위한 </a:t>
+                        <a:t>와 </a:t>
+                      </a:r>
+                      <a:r>
+                        <a:rPr lang="en-US" altLang="ko-KR" sz="1400" dirty="0"/>
+                        <a:t>life, </a:t>
+                      </a:r>
+                      <a:r>
+                        <a:rPr lang="ko-KR" altLang="en-US" sz="1400" dirty="0"/>
+                        <a:t>스킬과 </a:t>
+                      </a:r>
+                      <a:r>
+                        <a:rPr lang="ko-KR" altLang="en-US" sz="1400" dirty="0" err="1"/>
+                        <a:t>필살기</a:t>
+                      </a:r>
+                      <a:r>
+                        <a:rPr lang="ko-KR" altLang="en-US" sz="1400" dirty="0"/>
+                        <a:t> 횟수가 표현되는 </a:t>
                       </a:r>
                       <a:r>
                         <a:rPr lang="en-US" altLang="ko-KR" sz="1400" dirty="0" err="1"/>
                         <a:t>ui</a:t>
                       </a:r>
                       <a:r>
+                        <a:rPr lang="en-US" altLang="ko-KR" sz="1400" dirty="0"/>
+                        <a:t>, attack upgrade </a:t>
+                      </a:r>
+                      <a:r>
                         <a:rPr lang="ko-KR" altLang="en-US" sz="1400" dirty="0"/>
-                        <a:t>와 </a:t>
+                        <a:t>기능</a:t>
                       </a:r>
                       <a:r>
                         <a:rPr lang="en-US" altLang="ko-KR" sz="1400" dirty="0"/>
-                        <a:t>score </a:t>
+                        <a:t> </a:t>
                       </a:r>
                       <a:r>
                         <a:rPr lang="ko-KR" altLang="en-US" sz="1400" dirty="0"/>
                         <a:t>구현</a:t>
-                      </a:r>
-                      <a:r>
-                        <a:rPr lang="en-US" altLang="ko-KR" sz="1400" dirty="0"/>
-                        <a:t>, </a:t>
-                      </a:r>
-                      <a:r>
-                        <a:rPr lang="ko-KR" altLang="en-US" sz="1400" dirty="0"/>
-                        <a:t>보스 구현 진행중 </a:t>
                       </a:r>
                       <a:endParaRPr lang="en-US" altLang="ko-KR" sz="1400" dirty="0"/>
                     </a:p>
@@ -6445,10 +6570,10 @@
       </p:sp>
       <p:pic>
         <p:nvPicPr>
-          <p:cNvPr id="3" name="그림 2">
-            <a:extLst>
-              <a:ext uri="{FF2B5EF4-FFF2-40B4-BE49-F238E27FC236}">
-                <a16:creationId xmlns:a16="http://schemas.microsoft.com/office/drawing/2014/main" id="{4F2B4B92-7257-4599-83A2-29AC3568307B}"/>
+          <p:cNvPr id="4" name="그림 3">
+            <a:extLst>
+              <a:ext uri="{FF2B5EF4-FFF2-40B4-BE49-F238E27FC236}">
+                <a16:creationId xmlns:a16="http://schemas.microsoft.com/office/drawing/2014/main" id="{B73EE59E-D5CF-4614-BA84-A560CBF1B927}"/>
               </a:ext>
             </a:extLst>
           </p:cNvPr>
@@ -6465,8 +6590,8 @@
         </p:blipFill>
         <p:spPr>
           <a:xfrm>
-            <a:off x="2205038" y="1785462"/>
-            <a:ext cx="7781925" cy="4410550"/>
+            <a:off x="2219325" y="1785462"/>
+            <a:ext cx="7753350" cy="4481988"/>
           </a:xfrm>
           <a:prstGeom prst="rect">
             <a:avLst/>
